--- a/docs/continuous-delivery-caehr.pptx
+++ b/docs/continuous-delivery-caehr.pptx
@@ -163,2538 +163,6 @@
     </a:lvl9pPr>
   </p:defaultTextStyle>
 </p:presentation>
-</file>
-
-<file path=ppt/diagrams/colors1.xml><?xml version="1.0" encoding="utf-8"?>
-<dgm:colorsDef xmlns:dgm="http://schemas.openxmlformats.org/drawingml/2006/diagram" xmlns:a="http://schemas.openxmlformats.org/drawingml/2006/main" uniqueId="urn:microsoft.com/office/officeart/2005/8/colors/accent1_2">
-  <dgm:title val=""/>
-  <dgm:desc val=""/>
-  <dgm:catLst>
-    <dgm:cat type="accent1" pri="11200"/>
-  </dgm:catLst>
-  <dgm:styleLbl name="node0">
-    <dgm:fillClrLst meth="repeat">
-      <a:schemeClr val="accent1"/>
-    </dgm:fillClrLst>
-    <dgm:linClrLst meth="repeat">
-      <a:schemeClr val="lt1"/>
-    </dgm:linClrLst>
-    <dgm:effectClrLst/>
-    <dgm:txLinClrLst/>
-    <dgm:txFillClrLst/>
-    <dgm:txEffectClrLst/>
-  </dgm:styleLbl>
-  <dgm:styleLbl name="alignNode1">
-    <dgm:fillClrLst meth="repeat">
-      <a:schemeClr val="accent1"/>
-    </dgm:fillClrLst>
-    <dgm:linClrLst meth="repeat">
-      <a:schemeClr val="accent1"/>
-    </dgm:linClrLst>
-    <dgm:effectClrLst/>
-    <dgm:txLinClrLst/>
-    <dgm:txFillClrLst/>
-    <dgm:txEffectClrLst/>
-  </dgm:styleLbl>
-  <dgm:styleLbl name="node1">
-    <dgm:fillClrLst meth="repeat">
-      <a:schemeClr val="accent1"/>
-    </dgm:fillClrLst>
-    <dgm:linClrLst meth="repeat">
-      <a:schemeClr val="lt1"/>
-    </dgm:linClrLst>
-    <dgm:effectClrLst/>
-    <dgm:txLinClrLst/>
-    <dgm:txFillClrLst/>
-    <dgm:txEffectClrLst/>
-  </dgm:styleLbl>
-  <dgm:styleLbl name="lnNode1">
-    <dgm:fillClrLst meth="repeat">
-      <a:schemeClr val="accent1"/>
-    </dgm:fillClrLst>
-    <dgm:linClrLst meth="repeat">
-      <a:schemeClr val="lt1"/>
-    </dgm:linClrLst>
-    <dgm:effectClrLst/>
-    <dgm:txLinClrLst/>
-    <dgm:txFillClrLst/>
-    <dgm:txEffectClrLst/>
-  </dgm:styleLbl>
-  <dgm:styleLbl name="vennNode1">
-    <dgm:fillClrLst meth="repeat">
-      <a:schemeClr val="accent1">
-        <a:alpha val="50000"/>
-      </a:schemeClr>
-    </dgm:fillClrLst>
-    <dgm:linClrLst meth="repeat">
-      <a:schemeClr val="lt1"/>
-    </dgm:linClrLst>
-    <dgm:effectClrLst/>
-    <dgm:txLinClrLst/>
-    <dgm:txFillClrLst/>
-    <dgm:txEffectClrLst/>
-  </dgm:styleLbl>
-  <dgm:styleLbl name="node2">
-    <dgm:fillClrLst meth="repeat">
-      <a:schemeClr val="accent1"/>
-    </dgm:fillClrLst>
-    <dgm:linClrLst meth="repeat">
-      <a:schemeClr val="lt1"/>
-    </dgm:linClrLst>
-    <dgm:effectClrLst/>
-    <dgm:txLinClrLst/>
-    <dgm:txFillClrLst/>
-    <dgm:txEffectClrLst/>
-  </dgm:styleLbl>
-  <dgm:styleLbl name="node3">
-    <dgm:fillClrLst meth="repeat">
-      <a:schemeClr val="accent1"/>
-    </dgm:fillClrLst>
-    <dgm:linClrLst meth="repeat">
-      <a:schemeClr val="lt1"/>
-    </dgm:linClrLst>
-    <dgm:effectClrLst/>
-    <dgm:txLinClrLst/>
-    <dgm:txFillClrLst/>
-    <dgm:txEffectClrLst/>
-  </dgm:styleLbl>
-  <dgm:styleLbl name="node4">
-    <dgm:fillClrLst meth="repeat">
-      <a:schemeClr val="accent1"/>
-    </dgm:fillClrLst>
-    <dgm:linClrLst meth="repeat">
-      <a:schemeClr val="lt1"/>
-    </dgm:linClrLst>
-    <dgm:effectClrLst/>
-    <dgm:txLinClrLst/>
-    <dgm:txFillClrLst/>
-    <dgm:txEffectClrLst/>
-  </dgm:styleLbl>
-  <dgm:styleLbl name="fgImgPlace1">
-    <dgm:fillClrLst meth="repeat">
-      <a:schemeClr val="accent1">
-        <a:tint val="50000"/>
-      </a:schemeClr>
-    </dgm:fillClrLst>
-    <dgm:linClrLst meth="repeat">
-      <a:schemeClr val="lt1"/>
-    </dgm:linClrLst>
-    <dgm:effectClrLst/>
-    <dgm:txLinClrLst/>
-    <dgm:txFillClrLst meth="repeat">
-      <a:schemeClr val="lt1"/>
-    </dgm:txFillClrLst>
-    <dgm:txEffectClrLst/>
-  </dgm:styleLbl>
-  <dgm:styleLbl name="alignImgPlace1">
-    <dgm:fillClrLst meth="repeat">
-      <a:schemeClr val="accent1">
-        <a:tint val="50000"/>
-      </a:schemeClr>
-    </dgm:fillClrLst>
-    <dgm:linClrLst meth="repeat">
-      <a:schemeClr val="lt1"/>
-    </dgm:linClrLst>
-    <dgm:effectClrLst/>
-    <dgm:txLinClrLst/>
-    <dgm:txFillClrLst meth="repeat">
-      <a:schemeClr val="lt1"/>
-    </dgm:txFillClrLst>
-    <dgm:txEffectClrLst/>
-  </dgm:styleLbl>
-  <dgm:styleLbl name="bgImgPlace1">
-    <dgm:fillClrLst meth="repeat">
-      <a:schemeClr val="accent1">
-        <a:tint val="50000"/>
-      </a:schemeClr>
-    </dgm:fillClrLst>
-    <dgm:linClrLst meth="repeat">
-      <a:schemeClr val="lt1"/>
-    </dgm:linClrLst>
-    <dgm:effectClrLst/>
-    <dgm:txLinClrLst/>
-    <dgm:txFillClrLst meth="repeat">
-      <a:schemeClr val="lt1"/>
-    </dgm:txFillClrLst>
-    <dgm:txEffectClrLst/>
-  </dgm:styleLbl>
-  <dgm:styleLbl name="sibTrans2D1">
-    <dgm:fillClrLst meth="repeat">
-      <a:schemeClr val="accent1">
-        <a:tint val="60000"/>
-      </a:schemeClr>
-    </dgm:fillClrLst>
-    <dgm:linClrLst meth="repeat">
-      <a:schemeClr val="accent1">
-        <a:tint val="60000"/>
-      </a:schemeClr>
-    </dgm:linClrLst>
-    <dgm:effectClrLst/>
-    <dgm:txLinClrLst/>
-    <dgm:txFillClrLst/>
-    <dgm:txEffectClrLst/>
-  </dgm:styleLbl>
-  <dgm:styleLbl name="fgSibTrans2D1">
-    <dgm:fillClrLst meth="repeat">
-      <a:schemeClr val="accent1">
-        <a:tint val="60000"/>
-      </a:schemeClr>
-    </dgm:fillClrLst>
-    <dgm:linClrLst meth="repeat">
-      <a:schemeClr val="accent1">
-        <a:tint val="60000"/>
-      </a:schemeClr>
-    </dgm:linClrLst>
-    <dgm:effectClrLst/>
-    <dgm:txLinClrLst/>
-    <dgm:txFillClrLst/>
-    <dgm:txEffectClrLst/>
-  </dgm:styleLbl>
-  <dgm:styleLbl name="bgSibTrans2D1">
-    <dgm:fillClrLst meth="repeat">
-      <a:schemeClr val="accent1">
-        <a:tint val="60000"/>
-      </a:schemeClr>
-    </dgm:fillClrLst>
-    <dgm:linClrLst meth="repeat">
-      <a:schemeClr val="accent1">
-        <a:tint val="60000"/>
-      </a:schemeClr>
-    </dgm:linClrLst>
-    <dgm:effectClrLst/>
-    <dgm:txLinClrLst/>
-    <dgm:txFillClrLst/>
-    <dgm:txEffectClrLst/>
-  </dgm:styleLbl>
-  <dgm:styleLbl name="sibTrans1D1">
-    <dgm:fillClrLst meth="repeat">
-      <a:schemeClr val="accent1"/>
-    </dgm:fillClrLst>
-    <dgm:linClrLst meth="repeat">
-      <a:schemeClr val="accent1"/>
-    </dgm:linClrLst>
-    <dgm:effectClrLst/>
-    <dgm:txLinClrLst/>
-    <dgm:txFillClrLst meth="repeat">
-      <a:schemeClr val="tx1"/>
-    </dgm:txFillClrLst>
-    <dgm:txEffectClrLst/>
-  </dgm:styleLbl>
-  <dgm:styleLbl name="callout">
-    <dgm:fillClrLst meth="repeat">
-      <a:schemeClr val="accent1"/>
-    </dgm:fillClrLst>
-    <dgm:linClrLst meth="repeat">
-      <a:schemeClr val="accent1">
-        <a:tint val="50000"/>
-      </a:schemeClr>
-    </dgm:linClrLst>
-    <dgm:effectClrLst/>
-    <dgm:txLinClrLst/>
-    <dgm:txFillClrLst meth="repeat">
-      <a:schemeClr val="tx1"/>
-    </dgm:txFillClrLst>
-    <dgm:txEffectClrLst/>
-  </dgm:styleLbl>
-  <dgm:styleLbl name="asst0">
-    <dgm:fillClrLst meth="repeat">
-      <a:schemeClr val="accent1"/>
-    </dgm:fillClrLst>
-    <dgm:linClrLst meth="repeat">
-      <a:schemeClr val="lt1"/>
-    </dgm:linClrLst>
-    <dgm:effectClrLst/>
-    <dgm:txLinClrLst/>
-    <dgm:txFillClrLst/>
-    <dgm:txEffectClrLst/>
-  </dgm:styleLbl>
-  <dgm:styleLbl name="asst1">
-    <dgm:fillClrLst meth="repeat">
-      <a:schemeClr val="accent1"/>
-    </dgm:fillClrLst>
-    <dgm:linClrLst meth="repeat">
-      <a:schemeClr val="lt1"/>
-    </dgm:linClrLst>
-    <dgm:effectClrLst/>
-    <dgm:txLinClrLst/>
-    <dgm:txFillClrLst/>
-    <dgm:txEffectClrLst/>
-  </dgm:styleLbl>
-  <dgm:styleLbl name="asst2">
-    <dgm:fillClrLst meth="repeat">
-      <a:schemeClr val="accent1"/>
-    </dgm:fillClrLst>
-    <dgm:linClrLst meth="repeat">
-      <a:schemeClr val="lt1"/>
-    </dgm:linClrLst>
-    <dgm:effectClrLst/>
-    <dgm:txLinClrLst/>
-    <dgm:txFillClrLst/>
-    <dgm:txEffectClrLst/>
-  </dgm:styleLbl>
-  <dgm:styleLbl name="asst3">
-    <dgm:fillClrLst meth="repeat">
-      <a:schemeClr val="accent1"/>
-    </dgm:fillClrLst>
-    <dgm:linClrLst meth="repeat">
-      <a:schemeClr val="lt1"/>
-    </dgm:linClrLst>
-    <dgm:effectClrLst/>
-    <dgm:txLinClrLst/>
-    <dgm:txFillClrLst/>
-    <dgm:txEffectClrLst/>
-  </dgm:styleLbl>
-  <dgm:styleLbl name="asst4">
-    <dgm:fillClrLst meth="repeat">
-      <a:schemeClr val="accent1"/>
-    </dgm:fillClrLst>
-    <dgm:linClrLst meth="repeat">
-      <a:schemeClr val="lt1"/>
-    </dgm:linClrLst>
-    <dgm:effectClrLst/>
-    <dgm:txLinClrLst/>
-    <dgm:txFillClrLst/>
-    <dgm:txEffectClrLst/>
-  </dgm:styleLbl>
-  <dgm:styleLbl name="parChTrans2D1">
-    <dgm:fillClrLst meth="repeat">
-      <a:schemeClr val="accent1">
-        <a:tint val="60000"/>
-      </a:schemeClr>
-    </dgm:fillClrLst>
-    <dgm:linClrLst meth="repeat">
-      <a:schemeClr val="accent1">
-        <a:tint val="60000"/>
-      </a:schemeClr>
-    </dgm:linClrLst>
-    <dgm:effectClrLst/>
-    <dgm:txLinClrLst/>
-    <dgm:txFillClrLst meth="repeat">
-      <a:schemeClr val="lt1"/>
-    </dgm:txFillClrLst>
-    <dgm:txEffectClrLst/>
-  </dgm:styleLbl>
-  <dgm:styleLbl name="parChTrans2D2">
-    <dgm:fillClrLst meth="repeat">
-      <a:schemeClr val="accent1"/>
-    </dgm:fillClrLst>
-    <dgm:linClrLst meth="repeat">
-      <a:schemeClr val="accent1"/>
-    </dgm:linClrLst>
-    <dgm:effectClrLst/>
-    <dgm:txLinClrLst/>
-    <dgm:txFillClrLst meth="repeat">
-      <a:schemeClr val="lt1"/>
-    </dgm:txFillClrLst>
-    <dgm:txEffectClrLst/>
-  </dgm:styleLbl>
-  <dgm:styleLbl name="parChTrans2D3">
-    <dgm:fillClrLst meth="repeat">
-      <a:schemeClr val="accent1"/>
-    </dgm:fillClrLst>
-    <dgm:linClrLst meth="repeat">
-      <a:schemeClr val="accent1"/>
-    </dgm:linClrLst>
-    <dgm:effectClrLst/>
-    <dgm:txLinClrLst/>
-    <dgm:txFillClrLst meth="repeat">
-      <a:schemeClr val="lt1"/>
-    </dgm:txFillClrLst>
-    <dgm:txEffectClrLst/>
-  </dgm:styleLbl>
-  <dgm:styleLbl name="parChTrans2D4">
-    <dgm:fillClrLst meth="repeat">
-      <a:schemeClr val="accent1"/>
-    </dgm:fillClrLst>
-    <dgm:linClrLst meth="repeat">
-      <a:schemeClr val="accent1"/>
-    </dgm:linClrLst>
-    <dgm:effectClrLst/>
-    <dgm:txLinClrLst/>
-    <dgm:txFillClrLst meth="repeat">
-      <a:schemeClr val="lt1"/>
-    </dgm:txFillClrLst>
-    <dgm:txEffectClrLst/>
-  </dgm:styleLbl>
-  <dgm:styleLbl name="parChTrans1D1">
-    <dgm:fillClrLst meth="repeat">
-      <a:schemeClr val="accent1"/>
-    </dgm:fillClrLst>
-    <dgm:linClrLst meth="repeat">
-      <a:schemeClr val="accent1">
-        <a:shade val="60000"/>
-      </a:schemeClr>
-    </dgm:linClrLst>
-    <dgm:effectClrLst/>
-    <dgm:txLinClrLst/>
-    <dgm:txFillClrLst meth="repeat">
-      <a:schemeClr val="tx1"/>
-    </dgm:txFillClrLst>
-    <dgm:txEffectClrLst/>
-  </dgm:styleLbl>
-  <dgm:styleLbl name="parChTrans1D2">
-    <dgm:fillClrLst meth="repeat">
-      <a:schemeClr val="accent1"/>
-    </dgm:fillClrLst>
-    <dgm:linClrLst meth="repeat">
-      <a:schemeClr val="accent1">
-        <a:shade val="60000"/>
-      </a:schemeClr>
-    </dgm:linClrLst>
-    <dgm:effectClrLst/>
-    <dgm:txLinClrLst/>
-    <dgm:txFillClrLst meth="repeat">
-      <a:schemeClr val="tx1"/>
-    </dgm:txFillClrLst>
-    <dgm:txEffectClrLst/>
-  </dgm:styleLbl>
-  <dgm:styleLbl name="parChTrans1D3">
-    <dgm:fillClrLst meth="repeat">
-      <a:schemeClr val="accent1"/>
-    </dgm:fillClrLst>
-    <dgm:linClrLst meth="repeat">
-      <a:schemeClr val="accent1">
-        <a:shade val="80000"/>
-      </a:schemeClr>
-    </dgm:linClrLst>
-    <dgm:effectClrLst/>
-    <dgm:txLinClrLst/>
-    <dgm:txFillClrLst meth="repeat">
-      <a:schemeClr val="tx1"/>
-    </dgm:txFillClrLst>
-    <dgm:txEffectClrLst/>
-  </dgm:styleLbl>
-  <dgm:styleLbl name="parChTrans1D4">
-    <dgm:fillClrLst meth="repeat">
-      <a:schemeClr val="accent1"/>
-    </dgm:fillClrLst>
-    <dgm:linClrLst meth="repeat">
-      <a:schemeClr val="accent1">
-        <a:shade val="80000"/>
-      </a:schemeClr>
-    </dgm:linClrLst>
-    <dgm:effectClrLst/>
-    <dgm:txLinClrLst/>
-    <dgm:txFillClrLst meth="repeat">
-      <a:schemeClr val="tx1"/>
-    </dgm:txFillClrLst>
-    <dgm:txEffectClrLst/>
-  </dgm:styleLbl>
-  <dgm:styleLbl name="fgAcc1">
-    <dgm:fillClrLst meth="repeat">
-      <a:schemeClr val="lt1">
-        <a:alpha val="90000"/>
-      </a:schemeClr>
-    </dgm:fillClrLst>
-    <dgm:linClrLst meth="repeat">
-      <a:schemeClr val="accent1"/>
-    </dgm:linClrLst>
-    <dgm:effectClrLst/>
-    <dgm:txLinClrLst/>
-    <dgm:txFillClrLst meth="repeat">
-      <a:schemeClr val="dk1"/>
-    </dgm:txFillClrLst>
-    <dgm:txEffectClrLst/>
-  </dgm:styleLbl>
-  <dgm:styleLbl name="conFgAcc1">
-    <dgm:fillClrLst meth="repeat">
-      <a:schemeClr val="lt1">
-        <a:alpha val="90000"/>
-      </a:schemeClr>
-    </dgm:fillClrLst>
-    <dgm:linClrLst meth="repeat">
-      <a:schemeClr val="accent1"/>
-    </dgm:linClrLst>
-    <dgm:effectClrLst/>
-    <dgm:txLinClrLst/>
-    <dgm:txFillClrLst meth="repeat">
-      <a:schemeClr val="dk1"/>
-    </dgm:txFillClrLst>
-    <dgm:txEffectClrLst/>
-  </dgm:styleLbl>
-  <dgm:styleLbl name="alignAcc1">
-    <dgm:fillClrLst meth="repeat">
-      <a:schemeClr val="lt1">
-        <a:alpha val="90000"/>
-      </a:schemeClr>
-    </dgm:fillClrLst>
-    <dgm:linClrLst meth="repeat">
-      <a:schemeClr val="accent1"/>
-    </dgm:linClrLst>
-    <dgm:effectClrLst/>
-    <dgm:txLinClrLst/>
-    <dgm:txFillClrLst meth="repeat">
-      <a:schemeClr val="dk1"/>
-    </dgm:txFillClrLst>
-    <dgm:txEffectClrLst/>
-  </dgm:styleLbl>
-  <dgm:styleLbl name="trAlignAcc1">
-    <dgm:fillClrLst meth="repeat">
-      <a:schemeClr val="lt1">
-        <a:alpha val="40000"/>
-      </a:schemeClr>
-    </dgm:fillClrLst>
-    <dgm:linClrLst meth="repeat">
-      <a:schemeClr val="accent1"/>
-    </dgm:linClrLst>
-    <dgm:effectClrLst/>
-    <dgm:txLinClrLst/>
-    <dgm:txFillClrLst meth="repeat">
-      <a:schemeClr val="dk1"/>
-    </dgm:txFillClrLst>
-    <dgm:txEffectClrLst/>
-  </dgm:styleLbl>
-  <dgm:styleLbl name="bgAcc1">
-    <dgm:fillClrLst meth="repeat">
-      <a:schemeClr val="lt1">
-        <a:alpha val="90000"/>
-      </a:schemeClr>
-    </dgm:fillClrLst>
-    <dgm:linClrLst meth="repeat">
-      <a:schemeClr val="accent1"/>
-    </dgm:linClrLst>
-    <dgm:effectClrLst/>
-    <dgm:txLinClrLst/>
-    <dgm:txFillClrLst meth="repeat">
-      <a:schemeClr val="dk1"/>
-    </dgm:txFillClrLst>
-    <dgm:txEffectClrLst/>
-  </dgm:styleLbl>
-  <dgm:styleLbl name="solidFgAcc1">
-    <dgm:fillClrLst meth="repeat">
-      <a:schemeClr val="lt1"/>
-    </dgm:fillClrLst>
-    <dgm:linClrLst meth="repeat">
-      <a:schemeClr val="accent1"/>
-    </dgm:linClrLst>
-    <dgm:effectClrLst/>
-    <dgm:txLinClrLst/>
-    <dgm:txFillClrLst meth="repeat">
-      <a:schemeClr val="dk1"/>
-    </dgm:txFillClrLst>
-    <dgm:txEffectClrLst/>
-  </dgm:styleLbl>
-  <dgm:styleLbl name="solidAlignAcc1">
-    <dgm:fillClrLst meth="repeat">
-      <a:schemeClr val="lt1"/>
-    </dgm:fillClrLst>
-    <dgm:linClrLst meth="repeat">
-      <a:schemeClr val="accent1"/>
-    </dgm:linClrLst>
-    <dgm:effectClrLst/>
-    <dgm:txLinClrLst/>
-    <dgm:txFillClrLst meth="repeat">
-      <a:schemeClr val="dk1"/>
-    </dgm:txFillClrLst>
-    <dgm:txEffectClrLst/>
-  </dgm:styleLbl>
-  <dgm:styleLbl name="solidBgAcc1">
-    <dgm:fillClrLst meth="repeat">
-      <a:schemeClr val="lt1"/>
-    </dgm:fillClrLst>
-    <dgm:linClrLst meth="repeat">
-      <a:schemeClr val="accent1"/>
-    </dgm:linClrLst>
-    <dgm:effectClrLst/>
-    <dgm:txLinClrLst/>
-    <dgm:txFillClrLst meth="repeat">
-      <a:schemeClr val="dk1"/>
-    </dgm:txFillClrLst>
-    <dgm:txEffectClrLst/>
-  </dgm:styleLbl>
-  <dgm:styleLbl name="fgAccFollowNode1">
-    <dgm:fillClrLst meth="repeat">
-      <a:schemeClr val="accent1">
-        <a:alpha val="90000"/>
-        <a:tint val="40000"/>
-      </a:schemeClr>
-    </dgm:fillClrLst>
-    <dgm:linClrLst meth="repeat">
-      <a:schemeClr val="accent1">
-        <a:alpha val="90000"/>
-        <a:tint val="40000"/>
-      </a:schemeClr>
-    </dgm:linClrLst>
-    <dgm:effectClrLst/>
-    <dgm:txLinClrLst/>
-    <dgm:txFillClrLst meth="repeat">
-      <a:schemeClr val="dk1"/>
-    </dgm:txFillClrLst>
-    <dgm:txEffectClrLst/>
-  </dgm:styleLbl>
-  <dgm:styleLbl name="alignAccFollowNode1">
-    <dgm:fillClrLst meth="repeat">
-      <a:schemeClr val="accent1">
-        <a:alpha val="90000"/>
-        <a:tint val="40000"/>
-      </a:schemeClr>
-    </dgm:fillClrLst>
-    <dgm:linClrLst meth="repeat">
-      <a:schemeClr val="accent1">
-        <a:alpha val="90000"/>
-        <a:tint val="40000"/>
-      </a:schemeClr>
-    </dgm:linClrLst>
-    <dgm:effectClrLst/>
-    <dgm:txLinClrLst/>
-    <dgm:txFillClrLst meth="repeat">
-      <a:schemeClr val="dk1"/>
-    </dgm:txFillClrLst>
-    <dgm:txEffectClrLst/>
-  </dgm:styleLbl>
-  <dgm:styleLbl name="bgAccFollowNode1">
-    <dgm:fillClrLst meth="repeat">
-      <a:schemeClr val="accent1">
-        <a:alpha val="90000"/>
-        <a:tint val="40000"/>
-      </a:schemeClr>
-    </dgm:fillClrLst>
-    <dgm:linClrLst meth="repeat">
-      <a:schemeClr val="accent1">
-        <a:alpha val="90000"/>
-        <a:tint val="40000"/>
-      </a:schemeClr>
-    </dgm:linClrLst>
-    <dgm:effectClrLst/>
-    <dgm:txLinClrLst/>
-    <dgm:txFillClrLst meth="repeat">
-      <a:schemeClr val="dk1"/>
-    </dgm:txFillClrLst>
-    <dgm:txEffectClrLst/>
-  </dgm:styleLbl>
-  <dgm:styleLbl name="fgAcc0">
-    <dgm:fillClrLst meth="repeat">
-      <a:schemeClr val="lt1">
-        <a:alpha val="90000"/>
-      </a:schemeClr>
-    </dgm:fillClrLst>
-    <dgm:linClrLst meth="repeat">
-      <a:schemeClr val="accent1"/>
-    </dgm:linClrLst>
-    <dgm:effectClrLst/>
-    <dgm:txLinClrLst/>
-    <dgm:txFillClrLst meth="repeat">
-      <a:schemeClr val="dk1"/>
-    </dgm:txFillClrLst>
-    <dgm:txEffectClrLst/>
-  </dgm:styleLbl>
-  <dgm:styleLbl name="fgAcc2">
-    <dgm:fillClrLst meth="repeat">
-      <a:schemeClr val="lt1">
-        <a:alpha val="90000"/>
-      </a:schemeClr>
-    </dgm:fillClrLst>
-    <dgm:linClrLst meth="repeat">
-      <a:schemeClr val="accent1"/>
-    </dgm:linClrLst>
-    <dgm:effectClrLst/>
-    <dgm:txLinClrLst/>
-    <dgm:txFillClrLst meth="repeat">
-      <a:schemeClr val="dk1"/>
-    </dgm:txFillClrLst>
-    <dgm:txEffectClrLst/>
-  </dgm:styleLbl>
-  <dgm:styleLbl name="fgAcc3">
-    <dgm:fillClrLst meth="repeat">
-      <a:schemeClr val="lt1">
-        <a:alpha val="90000"/>
-      </a:schemeClr>
-    </dgm:fillClrLst>
-    <dgm:linClrLst meth="repeat">
-      <a:schemeClr val="accent1"/>
-    </dgm:linClrLst>
-    <dgm:effectClrLst/>
-    <dgm:txLinClrLst/>
-    <dgm:txFillClrLst meth="repeat">
-      <a:schemeClr val="dk1"/>
-    </dgm:txFillClrLst>
-    <dgm:txEffectClrLst/>
-  </dgm:styleLbl>
-  <dgm:styleLbl name="fgAcc4">
-    <dgm:fillClrLst meth="repeat">
-      <a:schemeClr val="lt1">
-        <a:alpha val="90000"/>
-      </a:schemeClr>
-    </dgm:fillClrLst>
-    <dgm:linClrLst meth="repeat">
-      <a:schemeClr val="accent1"/>
-    </dgm:linClrLst>
-    <dgm:effectClrLst/>
-    <dgm:txLinClrLst/>
-    <dgm:txFillClrLst meth="repeat">
-      <a:schemeClr val="dk1"/>
-    </dgm:txFillClrLst>
-    <dgm:txEffectClrLst/>
-  </dgm:styleLbl>
-  <dgm:styleLbl name="bgShp">
-    <dgm:fillClrLst meth="repeat">
-      <a:schemeClr val="accent1">
-        <a:tint val="40000"/>
-      </a:schemeClr>
-    </dgm:fillClrLst>
-    <dgm:linClrLst meth="repeat">
-      <a:schemeClr val="accent1"/>
-    </dgm:linClrLst>
-    <dgm:effectClrLst/>
-    <dgm:txLinClrLst/>
-    <dgm:txFillClrLst meth="repeat">
-      <a:schemeClr val="dk1"/>
-    </dgm:txFillClrLst>
-    <dgm:txEffectClrLst/>
-  </dgm:styleLbl>
-  <dgm:styleLbl name="dkBgShp">
-    <dgm:fillClrLst meth="repeat">
-      <a:schemeClr val="accent1">
-        <a:shade val="80000"/>
-      </a:schemeClr>
-    </dgm:fillClrLst>
-    <dgm:linClrLst meth="repeat">
-      <a:schemeClr val="accent1"/>
-    </dgm:linClrLst>
-    <dgm:effectClrLst/>
-    <dgm:txLinClrLst/>
-    <dgm:txFillClrLst meth="repeat">
-      <a:schemeClr val="lt1"/>
-    </dgm:txFillClrLst>
-    <dgm:txEffectClrLst/>
-  </dgm:styleLbl>
-  <dgm:styleLbl name="trBgShp">
-    <dgm:fillClrLst meth="repeat">
-      <a:schemeClr val="accent1">
-        <a:tint val="50000"/>
-        <a:alpha val="40000"/>
-      </a:schemeClr>
-    </dgm:fillClrLst>
-    <dgm:linClrLst meth="repeat">
-      <a:schemeClr val="accent1"/>
-    </dgm:linClrLst>
-    <dgm:effectClrLst/>
-    <dgm:txLinClrLst/>
-    <dgm:txFillClrLst meth="repeat">
-      <a:schemeClr val="lt1"/>
-    </dgm:txFillClrLst>
-    <dgm:txEffectClrLst/>
-  </dgm:styleLbl>
-  <dgm:styleLbl name="fgShp">
-    <dgm:fillClrLst meth="repeat">
-      <a:schemeClr val="accent1">
-        <a:tint val="60000"/>
-      </a:schemeClr>
-    </dgm:fillClrLst>
-    <dgm:linClrLst meth="repeat">
-      <a:schemeClr val="lt1"/>
-    </dgm:linClrLst>
-    <dgm:effectClrLst/>
-    <dgm:txLinClrLst/>
-    <dgm:txFillClrLst meth="repeat">
-      <a:schemeClr val="dk1"/>
-    </dgm:txFillClrLst>
-    <dgm:txEffectClrLst/>
-  </dgm:styleLbl>
-  <dgm:styleLbl name="revTx">
-    <dgm:fillClrLst meth="repeat">
-      <a:schemeClr val="lt1">
-        <a:alpha val="0"/>
-      </a:schemeClr>
-    </dgm:fillClrLst>
-    <dgm:linClrLst meth="repeat">
-      <a:schemeClr val="dk1">
-        <a:alpha val="0"/>
-      </a:schemeClr>
-    </dgm:linClrLst>
-    <dgm:effectClrLst/>
-    <dgm:txLinClrLst/>
-    <dgm:txFillClrLst meth="repeat">
-      <a:schemeClr val="tx1"/>
-    </dgm:txFillClrLst>
-    <dgm:txEffectClrLst/>
-  </dgm:styleLbl>
-</dgm:colorsDef>
-</file>
-
-<file path=ppt/diagrams/data1.xml><?xml version="1.0" encoding="utf-8"?>
-<dgm:dataModel xmlns:dgm="http://schemas.openxmlformats.org/drawingml/2006/diagram" xmlns:a="http://schemas.openxmlformats.org/drawingml/2006/main">
-  <dgm:ptLst>
-    <dgm:pt modelId="{6FF30499-CFC3-8748-989C-E668B1438400}" type="doc">
-      <dgm:prSet loTypeId="urn:microsoft.com/office/officeart/2005/8/layout/hProcess9" loCatId="process" qsTypeId="urn:microsoft.com/office/officeart/2005/8/quickstyle/simple4" qsCatId="simple" csTypeId="urn:microsoft.com/office/officeart/2005/8/colors/accent1_2" csCatId="accent1" phldr="1"/>
-      <dgm:spPr/>
-    </dgm:pt>
-    <dgm:pt modelId="{7D692FD8-77F7-7746-9FEE-0E9B850B520D}">
-      <dgm:prSet phldrT="[Text]"/>
-      <dgm:spPr>
-        <a:solidFill>
-          <a:srgbClr val="3366FF"/>
-        </a:solidFill>
-        <a:scene3d>
-          <a:camera prst="orthographicFront"/>
-          <a:lightRig rig="threePt" dir="t"/>
-        </a:scene3d>
-        <a:sp3d>
-          <a:bevelT/>
-          <a:bevelB prst="relaxedInset"/>
-        </a:sp3d>
-      </dgm:spPr>
-      <dgm:t>
-        <a:bodyPr/>
-        <a:lstStyle/>
-        <a:p>
-          <a:r>
-            <a:rPr lang="en-US" dirty="0" smtClean="0"/>
-            <a:t>Developers</a:t>
-          </a:r>
-          <a:endParaRPr lang="en-US" dirty="0"/>
-        </a:p>
-      </dgm:t>
-    </dgm:pt>
-    <dgm:pt modelId="{71009023-8988-9F41-B996-2D3CAA150149}" type="parTrans" cxnId="{933621E0-AC9A-2945-AA5D-80CCDA1E6542}">
-      <dgm:prSet/>
-      <dgm:spPr/>
-      <dgm:t>
-        <a:bodyPr/>
-        <a:lstStyle/>
-        <a:p>
-          <a:endParaRPr lang="en-US"/>
-        </a:p>
-      </dgm:t>
-    </dgm:pt>
-    <dgm:pt modelId="{79804AF4-B978-AC47-9364-B6DA6AE14535}" type="sibTrans" cxnId="{933621E0-AC9A-2945-AA5D-80CCDA1E6542}">
-      <dgm:prSet/>
-      <dgm:spPr/>
-      <dgm:t>
-        <a:bodyPr/>
-        <a:lstStyle/>
-        <a:p>
-          <a:endParaRPr lang="en-US"/>
-        </a:p>
-      </dgm:t>
-    </dgm:pt>
-    <dgm:pt modelId="{0C35B79A-FBB2-6442-83FF-273E0DBA9E32}">
-      <dgm:prSet phldrT="[Text]"/>
-      <dgm:spPr>
-        <a:solidFill>
-          <a:srgbClr val="3366FF"/>
-        </a:solidFill>
-        <a:scene3d>
-          <a:camera prst="orthographicFront"/>
-          <a:lightRig rig="threePt" dir="t"/>
-        </a:scene3d>
-        <a:sp3d>
-          <a:bevelT/>
-          <a:bevelB prst="relaxedInset"/>
-        </a:sp3d>
-      </dgm:spPr>
-      <dgm:t>
-        <a:bodyPr/>
-        <a:lstStyle/>
-        <a:p>
-          <a:r>
-            <a:rPr lang="en-US" dirty="0" smtClean="0"/>
-            <a:t>Queue</a:t>
-          </a:r>
-          <a:endParaRPr lang="en-US" dirty="0"/>
-        </a:p>
-      </dgm:t>
-    </dgm:pt>
-    <dgm:pt modelId="{7B880FF2-E837-104B-86A6-BA3544940061}" type="parTrans" cxnId="{DE04E1B6-B527-3041-B7EB-3443F6647D5E}">
-      <dgm:prSet/>
-      <dgm:spPr/>
-      <dgm:t>
-        <a:bodyPr/>
-        <a:lstStyle/>
-        <a:p>
-          <a:endParaRPr lang="en-US"/>
-        </a:p>
-      </dgm:t>
-    </dgm:pt>
-    <dgm:pt modelId="{671ADFD9-DCBD-DA46-824D-DD0F75E2D975}" type="sibTrans" cxnId="{DE04E1B6-B527-3041-B7EB-3443F6647D5E}">
-      <dgm:prSet/>
-      <dgm:spPr/>
-      <dgm:t>
-        <a:bodyPr/>
-        <a:lstStyle/>
-        <a:p>
-          <a:endParaRPr lang="en-US"/>
-        </a:p>
-      </dgm:t>
-    </dgm:pt>
-    <dgm:pt modelId="{CF038549-ED0B-6F41-B402-2224DF6A94B8}">
-      <dgm:prSet phldrT="[Text]"/>
-      <dgm:spPr>
-        <a:solidFill>
-          <a:srgbClr val="3366FF"/>
-        </a:solidFill>
-        <a:scene3d>
-          <a:camera prst="orthographicFront"/>
-          <a:lightRig rig="threePt" dir="t"/>
-        </a:scene3d>
-        <a:sp3d>
-          <a:bevelT/>
-          <a:bevelB prst="relaxedInset"/>
-        </a:sp3d>
-      </dgm:spPr>
-      <dgm:t>
-        <a:bodyPr/>
-        <a:lstStyle/>
-        <a:p>
-          <a:r>
-            <a:rPr lang="en-US" dirty="0" smtClean="0"/>
-            <a:t>Engineers</a:t>
-          </a:r>
-          <a:endParaRPr lang="en-US" dirty="0"/>
-        </a:p>
-      </dgm:t>
-    </dgm:pt>
-    <dgm:pt modelId="{F5E801ED-9E84-6C43-98FD-C8A4340A3AC7}" type="parTrans" cxnId="{BC17E541-5901-E74C-8E56-3BF9F9EBB0F5}">
-      <dgm:prSet/>
-      <dgm:spPr/>
-      <dgm:t>
-        <a:bodyPr/>
-        <a:lstStyle/>
-        <a:p>
-          <a:endParaRPr lang="en-US"/>
-        </a:p>
-      </dgm:t>
-    </dgm:pt>
-    <dgm:pt modelId="{D07AAECE-8CF4-8849-AD35-26A970B174A4}" type="sibTrans" cxnId="{BC17E541-5901-E74C-8E56-3BF9F9EBB0F5}">
-      <dgm:prSet/>
-      <dgm:spPr/>
-      <dgm:t>
-        <a:bodyPr/>
-        <a:lstStyle/>
-        <a:p>
-          <a:endParaRPr lang="en-US"/>
-        </a:p>
-      </dgm:t>
-    </dgm:pt>
-    <dgm:pt modelId="{A1ABCCF7-B574-B04D-97AB-2B96D6015AF1}" type="pres">
-      <dgm:prSet presAssocID="{6FF30499-CFC3-8748-989C-E668B1438400}" presName="CompostProcess" presStyleCnt="0">
-        <dgm:presLayoutVars>
-          <dgm:dir/>
-          <dgm:resizeHandles val="exact"/>
-        </dgm:presLayoutVars>
-      </dgm:prSet>
-      <dgm:spPr/>
-    </dgm:pt>
-    <dgm:pt modelId="{7FCFB2B6-F220-E94A-9F9B-C4FC37AEEA84}" type="pres">
-      <dgm:prSet presAssocID="{6FF30499-CFC3-8748-989C-E668B1438400}" presName="arrow" presStyleLbl="bgShp" presStyleIdx="0" presStyleCnt="1"/>
-      <dgm:spPr>
-        <a:scene3d>
-          <a:camera prst="orthographicFront"/>
-          <a:lightRig rig="threePt" dir="t"/>
-        </a:scene3d>
-        <a:sp3d>
-          <a:bevelT/>
-          <a:bevelB prst="relaxedInset"/>
-        </a:sp3d>
-      </dgm:spPr>
-    </dgm:pt>
-    <dgm:pt modelId="{6A58714E-85BB-E847-8E73-8DA7ABB44531}" type="pres">
-      <dgm:prSet presAssocID="{6FF30499-CFC3-8748-989C-E668B1438400}" presName="linearProcess" presStyleCnt="0"/>
-      <dgm:spPr>
-        <a:scene3d>
-          <a:camera prst="orthographicFront"/>
-          <a:lightRig rig="threePt" dir="t"/>
-        </a:scene3d>
-        <a:sp3d>
-          <a:bevelT/>
-          <a:bevelB prst="relaxedInset"/>
-        </a:sp3d>
-      </dgm:spPr>
-    </dgm:pt>
-    <dgm:pt modelId="{FB40ABFA-324E-7845-B681-596EDB19AC49}" type="pres">
-      <dgm:prSet presAssocID="{7D692FD8-77F7-7746-9FEE-0E9B850B520D}" presName="textNode" presStyleLbl="node1" presStyleIdx="0" presStyleCnt="3">
-        <dgm:presLayoutVars>
-          <dgm:bulletEnabled val="1"/>
-        </dgm:presLayoutVars>
-      </dgm:prSet>
-      <dgm:spPr/>
-      <dgm:t>
-        <a:bodyPr/>
-        <a:lstStyle/>
-        <a:p>
-          <a:endParaRPr lang="en-US"/>
-        </a:p>
-      </dgm:t>
-    </dgm:pt>
-    <dgm:pt modelId="{BE748424-FAD0-314D-A2BA-E4EB825BA066}" type="pres">
-      <dgm:prSet presAssocID="{79804AF4-B978-AC47-9364-B6DA6AE14535}" presName="sibTrans" presStyleCnt="0"/>
-      <dgm:spPr>
-        <a:scene3d>
-          <a:camera prst="orthographicFront"/>
-          <a:lightRig rig="threePt" dir="t"/>
-        </a:scene3d>
-        <a:sp3d>
-          <a:bevelT/>
-          <a:bevelB prst="relaxedInset"/>
-        </a:sp3d>
-      </dgm:spPr>
-    </dgm:pt>
-    <dgm:pt modelId="{63CD4F66-A466-DE42-A186-13F343043DBA}" type="pres">
-      <dgm:prSet presAssocID="{0C35B79A-FBB2-6442-83FF-273E0DBA9E32}" presName="textNode" presStyleLbl="node1" presStyleIdx="1" presStyleCnt="3">
-        <dgm:presLayoutVars>
-          <dgm:bulletEnabled val="1"/>
-        </dgm:presLayoutVars>
-      </dgm:prSet>
-      <dgm:spPr/>
-      <dgm:t>
-        <a:bodyPr/>
-        <a:lstStyle/>
-        <a:p>
-          <a:endParaRPr lang="en-US"/>
-        </a:p>
-      </dgm:t>
-    </dgm:pt>
-    <dgm:pt modelId="{4EA9DC35-23E4-4244-AC57-B4A14FC7F0AE}" type="pres">
-      <dgm:prSet presAssocID="{671ADFD9-DCBD-DA46-824D-DD0F75E2D975}" presName="sibTrans" presStyleCnt="0"/>
-      <dgm:spPr>
-        <a:scene3d>
-          <a:camera prst="orthographicFront"/>
-          <a:lightRig rig="threePt" dir="t"/>
-        </a:scene3d>
-        <a:sp3d>
-          <a:bevelT/>
-          <a:bevelB prst="relaxedInset"/>
-        </a:sp3d>
-      </dgm:spPr>
-    </dgm:pt>
-    <dgm:pt modelId="{DDB0A3EC-7CD0-D449-8ECC-07A21F3052AD}" type="pres">
-      <dgm:prSet presAssocID="{CF038549-ED0B-6F41-B402-2224DF6A94B8}" presName="textNode" presStyleLbl="node1" presStyleIdx="2" presStyleCnt="3">
-        <dgm:presLayoutVars>
-          <dgm:bulletEnabled val="1"/>
-        </dgm:presLayoutVars>
-      </dgm:prSet>
-      <dgm:spPr/>
-      <dgm:t>
-        <a:bodyPr/>
-        <a:lstStyle/>
-        <a:p>
-          <a:endParaRPr lang="en-US"/>
-        </a:p>
-      </dgm:t>
-    </dgm:pt>
-  </dgm:ptLst>
-  <dgm:cxnLst>
-    <dgm:cxn modelId="{CA170744-A3E6-E94C-95BC-4CB535EA9E48}" type="presOf" srcId="{7D692FD8-77F7-7746-9FEE-0E9B850B520D}" destId="{FB40ABFA-324E-7845-B681-596EDB19AC49}" srcOrd="0" destOrd="0" presId="urn:microsoft.com/office/officeart/2005/8/layout/hProcess9"/>
-    <dgm:cxn modelId="{6C1BBEA1-25D6-8448-98D5-91A58A2CDE90}" type="presOf" srcId="{CF038549-ED0B-6F41-B402-2224DF6A94B8}" destId="{DDB0A3EC-7CD0-D449-8ECC-07A21F3052AD}" srcOrd="0" destOrd="0" presId="urn:microsoft.com/office/officeart/2005/8/layout/hProcess9"/>
-    <dgm:cxn modelId="{2C63B72E-8359-FA4C-9C21-949EB8BD68FF}" type="presOf" srcId="{0C35B79A-FBB2-6442-83FF-273E0DBA9E32}" destId="{63CD4F66-A466-DE42-A186-13F343043DBA}" srcOrd="0" destOrd="0" presId="urn:microsoft.com/office/officeart/2005/8/layout/hProcess9"/>
-    <dgm:cxn modelId="{BC17E541-5901-E74C-8E56-3BF9F9EBB0F5}" srcId="{6FF30499-CFC3-8748-989C-E668B1438400}" destId="{CF038549-ED0B-6F41-B402-2224DF6A94B8}" srcOrd="2" destOrd="0" parTransId="{F5E801ED-9E84-6C43-98FD-C8A4340A3AC7}" sibTransId="{D07AAECE-8CF4-8849-AD35-26A970B174A4}"/>
-    <dgm:cxn modelId="{DE04E1B6-B527-3041-B7EB-3443F6647D5E}" srcId="{6FF30499-CFC3-8748-989C-E668B1438400}" destId="{0C35B79A-FBB2-6442-83FF-273E0DBA9E32}" srcOrd="1" destOrd="0" parTransId="{7B880FF2-E837-104B-86A6-BA3544940061}" sibTransId="{671ADFD9-DCBD-DA46-824D-DD0F75E2D975}"/>
-    <dgm:cxn modelId="{4177A6E8-5A7F-C740-B1F0-7814887AFA59}" type="presOf" srcId="{6FF30499-CFC3-8748-989C-E668B1438400}" destId="{A1ABCCF7-B574-B04D-97AB-2B96D6015AF1}" srcOrd="0" destOrd="0" presId="urn:microsoft.com/office/officeart/2005/8/layout/hProcess9"/>
-    <dgm:cxn modelId="{933621E0-AC9A-2945-AA5D-80CCDA1E6542}" srcId="{6FF30499-CFC3-8748-989C-E668B1438400}" destId="{7D692FD8-77F7-7746-9FEE-0E9B850B520D}" srcOrd="0" destOrd="0" parTransId="{71009023-8988-9F41-B996-2D3CAA150149}" sibTransId="{79804AF4-B978-AC47-9364-B6DA6AE14535}"/>
-    <dgm:cxn modelId="{342B0E74-C7BD-DC4D-8037-D9CF8096DD46}" type="presParOf" srcId="{A1ABCCF7-B574-B04D-97AB-2B96D6015AF1}" destId="{7FCFB2B6-F220-E94A-9F9B-C4FC37AEEA84}" srcOrd="0" destOrd="0" presId="urn:microsoft.com/office/officeart/2005/8/layout/hProcess9"/>
-    <dgm:cxn modelId="{BDF2D94F-D6D4-0E42-AFB3-A8669BFD8CCB}" type="presParOf" srcId="{A1ABCCF7-B574-B04D-97AB-2B96D6015AF1}" destId="{6A58714E-85BB-E847-8E73-8DA7ABB44531}" srcOrd="1" destOrd="0" presId="urn:microsoft.com/office/officeart/2005/8/layout/hProcess9"/>
-    <dgm:cxn modelId="{D4CCF379-C916-BC41-B66F-DF4E8A2BD07F}" type="presParOf" srcId="{6A58714E-85BB-E847-8E73-8DA7ABB44531}" destId="{FB40ABFA-324E-7845-B681-596EDB19AC49}" srcOrd="0" destOrd="0" presId="urn:microsoft.com/office/officeart/2005/8/layout/hProcess9"/>
-    <dgm:cxn modelId="{CD083A36-9E52-CA40-BC42-E4C0D2A8ADDE}" type="presParOf" srcId="{6A58714E-85BB-E847-8E73-8DA7ABB44531}" destId="{BE748424-FAD0-314D-A2BA-E4EB825BA066}" srcOrd="1" destOrd="0" presId="urn:microsoft.com/office/officeart/2005/8/layout/hProcess9"/>
-    <dgm:cxn modelId="{F67B5E72-3E82-BD4C-9143-14BC50FEAD84}" type="presParOf" srcId="{6A58714E-85BB-E847-8E73-8DA7ABB44531}" destId="{63CD4F66-A466-DE42-A186-13F343043DBA}" srcOrd="2" destOrd="0" presId="urn:microsoft.com/office/officeart/2005/8/layout/hProcess9"/>
-    <dgm:cxn modelId="{1B97BA9E-8E35-F248-A947-5D7F6D2C0F36}" type="presParOf" srcId="{6A58714E-85BB-E847-8E73-8DA7ABB44531}" destId="{4EA9DC35-23E4-4244-AC57-B4A14FC7F0AE}" srcOrd="3" destOrd="0" presId="urn:microsoft.com/office/officeart/2005/8/layout/hProcess9"/>
-    <dgm:cxn modelId="{25AF759E-1760-B642-A903-943FBEF366D5}" type="presParOf" srcId="{6A58714E-85BB-E847-8E73-8DA7ABB44531}" destId="{DDB0A3EC-7CD0-D449-8ECC-07A21F3052AD}" srcOrd="4" destOrd="0" presId="urn:microsoft.com/office/officeart/2005/8/layout/hProcess9"/>
-  </dgm:cxnLst>
-  <dgm:bg>
-    <a:effectLst>
-      <a:outerShdw blurRad="50800" dist="38100" dir="2700000" algn="tl" rotWithShape="0">
-        <a:srgbClr val="000000">
-          <a:alpha val="43000"/>
-        </a:srgbClr>
-      </a:outerShdw>
-    </a:effectLst>
-  </dgm:bg>
-  <dgm:whole>
-    <a:effectLst/>
-  </dgm:whole>
-  <dgm:extLst>
-    <a:ext uri="http://schemas.microsoft.com/office/drawing/2008/diagram">
-      <dsp:dataModelExt xmlns:dsp="http://schemas.microsoft.com/office/drawing/2008/diagram" xmlns="" relId="rId7" minVer="http://schemas.openxmlformats.org/drawingml/2006/diagram"/>
-    </a:ext>
-  </dgm:extLst>
-</dgm:dataModel>
-</file>
-
-<file path=ppt/diagrams/drawing1.xml><?xml version="1.0" encoding="utf-8"?>
-<dsp:drawing xmlns:dgm="http://schemas.openxmlformats.org/drawingml/2006/diagram" xmlns:a="http://schemas.openxmlformats.org/drawingml/2006/main" xmlns:dsp="http://schemas.microsoft.com/office/drawing/2008/diagram">
-  <dsp:spTree>
-    <dsp:nvGrpSpPr>
-      <dsp:cNvPr id="0" name=""/>
-      <dsp:cNvGrpSpPr/>
-    </dsp:nvGrpSpPr>
-    <dsp:grpSpPr/>
-    <dsp:sp modelId="{7FCFB2B6-F220-E94A-9F9B-C4FC37AEEA84}">
-      <dsp:nvSpPr>
-        <dsp:cNvPr id="0" name=""/>
-        <dsp:cNvSpPr/>
-      </dsp:nvSpPr>
-      <dsp:spPr>
-        <a:xfrm>
-          <a:off x="394334" y="0"/>
-          <a:ext cx="4469130" cy="1524000"/>
-        </a:xfrm>
-        <a:prstGeom prst="rightArrow">
-          <a:avLst/>
-        </a:prstGeom>
-        <a:solidFill>
-          <a:schemeClr val="accent1">
-            <a:tint val="40000"/>
-            <a:hueOff val="0"/>
-            <a:satOff val="0"/>
-            <a:lumOff val="0"/>
-            <a:alphaOff val="0"/>
-          </a:schemeClr>
-        </a:solidFill>
-        <a:ln>
-          <a:noFill/>
-        </a:ln>
-        <a:effectLst>
-          <a:outerShdw blurRad="40000" dist="23000" dir="5400000" rotWithShape="0">
-            <a:srgbClr val="000000">
-              <a:alpha val="35000"/>
-            </a:srgbClr>
-          </a:outerShdw>
-        </a:effectLst>
-        <a:scene3d>
-          <a:camera prst="orthographicFront"/>
-          <a:lightRig rig="threePt" dir="t"/>
-        </a:scene3d>
-        <a:sp3d>
-          <a:bevelT/>
-          <a:bevelB prst="relaxedInset"/>
-        </a:sp3d>
-      </dsp:spPr>
-      <dsp:style>
-        <a:lnRef idx="0">
-          <a:scrgbClr r="0" g="0" b="0"/>
-        </a:lnRef>
-        <a:fillRef idx="1">
-          <a:scrgbClr r="0" g="0" b="0"/>
-        </a:fillRef>
-        <a:effectRef idx="2">
-          <a:scrgbClr r="0" g="0" b="0"/>
-        </a:effectRef>
-        <a:fontRef idx="minor"/>
-      </dsp:style>
-    </dsp:sp>
-    <dsp:sp modelId="{FB40ABFA-324E-7845-B681-596EDB19AC49}">
-      <dsp:nvSpPr>
-        <dsp:cNvPr id="0" name=""/>
-        <dsp:cNvSpPr/>
-      </dsp:nvSpPr>
-      <dsp:spPr>
-        <a:xfrm>
-          <a:off x="2775" y="457200"/>
-          <a:ext cx="1689048" cy="609600"/>
-        </a:xfrm>
-        <a:prstGeom prst="roundRect">
-          <a:avLst/>
-        </a:prstGeom>
-        <a:solidFill>
-          <a:srgbClr val="3366FF"/>
-        </a:solidFill>
-        <a:ln>
-          <a:noFill/>
-        </a:ln>
-        <a:effectLst>
-          <a:outerShdw blurRad="40000" dist="23000" dir="5400000" rotWithShape="0">
-            <a:srgbClr val="000000">
-              <a:alpha val="35000"/>
-            </a:srgbClr>
-          </a:outerShdw>
-        </a:effectLst>
-        <a:scene3d>
-          <a:camera prst="orthographicFront"/>
-          <a:lightRig rig="threePt" dir="t"/>
-        </a:scene3d>
-        <a:sp3d>
-          <a:bevelT/>
-          <a:bevelB prst="relaxedInset"/>
-        </a:sp3d>
-      </dsp:spPr>
-      <dsp:style>
-        <a:lnRef idx="0">
-          <a:scrgbClr r="0" g="0" b="0"/>
-        </a:lnRef>
-        <a:fillRef idx="3">
-          <a:scrgbClr r="0" g="0" b="0"/>
-        </a:fillRef>
-        <a:effectRef idx="2">
-          <a:scrgbClr r="0" g="0" b="0"/>
-        </a:effectRef>
-        <a:fontRef idx="minor">
-          <a:schemeClr val="lt1"/>
-        </a:fontRef>
-      </dsp:style>
-      <dsp:txBody>
-        <a:bodyPr spcFirstLastPara="0" vert="horz" wrap="square" lIns="83820" tIns="83820" rIns="83820" bIns="83820" numCol="1" spcCol="1270" anchor="ctr" anchorCtr="0">
-          <a:noAutofit/>
-        </a:bodyPr>
-        <a:lstStyle/>
-        <a:p>
-          <a:pPr lvl="0" algn="ctr" defTabSz="977900">
-            <a:lnSpc>
-              <a:spcPct val="90000"/>
-            </a:lnSpc>
-            <a:spcBef>
-              <a:spcPct val="0"/>
-            </a:spcBef>
-            <a:spcAft>
-              <a:spcPct val="35000"/>
-            </a:spcAft>
-          </a:pPr>
-          <a:r>
-            <a:rPr lang="en-US" sz="2200" kern="1200" dirty="0" smtClean="0"/>
-            <a:t>Developers</a:t>
-          </a:r>
-          <a:endParaRPr lang="en-US" sz="2200" kern="1200" dirty="0"/>
-        </a:p>
-      </dsp:txBody>
-      <dsp:txXfrm>
-        <a:off x="2775" y="457200"/>
-        <a:ext cx="1689048" cy="609600"/>
-      </dsp:txXfrm>
-    </dsp:sp>
-    <dsp:sp modelId="{63CD4F66-A466-DE42-A186-13F343043DBA}">
-      <dsp:nvSpPr>
-        <dsp:cNvPr id="0" name=""/>
-        <dsp:cNvSpPr/>
-      </dsp:nvSpPr>
-      <dsp:spPr>
-        <a:xfrm>
-          <a:off x="1784375" y="457200"/>
-          <a:ext cx="1689048" cy="609600"/>
-        </a:xfrm>
-        <a:prstGeom prst="roundRect">
-          <a:avLst/>
-        </a:prstGeom>
-        <a:solidFill>
-          <a:srgbClr val="3366FF"/>
-        </a:solidFill>
-        <a:ln>
-          <a:noFill/>
-        </a:ln>
-        <a:effectLst>
-          <a:outerShdw blurRad="40000" dist="23000" dir="5400000" rotWithShape="0">
-            <a:srgbClr val="000000">
-              <a:alpha val="35000"/>
-            </a:srgbClr>
-          </a:outerShdw>
-        </a:effectLst>
-        <a:scene3d>
-          <a:camera prst="orthographicFront"/>
-          <a:lightRig rig="threePt" dir="t"/>
-        </a:scene3d>
-        <a:sp3d>
-          <a:bevelT/>
-          <a:bevelB prst="relaxedInset"/>
-        </a:sp3d>
-      </dsp:spPr>
-      <dsp:style>
-        <a:lnRef idx="0">
-          <a:scrgbClr r="0" g="0" b="0"/>
-        </a:lnRef>
-        <a:fillRef idx="3">
-          <a:scrgbClr r="0" g="0" b="0"/>
-        </a:fillRef>
-        <a:effectRef idx="2">
-          <a:scrgbClr r="0" g="0" b="0"/>
-        </a:effectRef>
-        <a:fontRef idx="minor">
-          <a:schemeClr val="lt1"/>
-        </a:fontRef>
-      </dsp:style>
-      <dsp:txBody>
-        <a:bodyPr spcFirstLastPara="0" vert="horz" wrap="square" lIns="83820" tIns="83820" rIns="83820" bIns="83820" numCol="1" spcCol="1270" anchor="ctr" anchorCtr="0">
-          <a:noAutofit/>
-        </a:bodyPr>
-        <a:lstStyle/>
-        <a:p>
-          <a:pPr lvl="0" algn="ctr" defTabSz="977900">
-            <a:lnSpc>
-              <a:spcPct val="90000"/>
-            </a:lnSpc>
-            <a:spcBef>
-              <a:spcPct val="0"/>
-            </a:spcBef>
-            <a:spcAft>
-              <a:spcPct val="35000"/>
-            </a:spcAft>
-          </a:pPr>
-          <a:r>
-            <a:rPr lang="en-US" sz="2200" kern="1200" dirty="0" smtClean="0"/>
-            <a:t>Queue</a:t>
-          </a:r>
-          <a:endParaRPr lang="en-US" sz="2200" kern="1200" dirty="0"/>
-        </a:p>
-      </dsp:txBody>
-      <dsp:txXfrm>
-        <a:off x="1784375" y="457200"/>
-        <a:ext cx="1689048" cy="609600"/>
-      </dsp:txXfrm>
-    </dsp:sp>
-    <dsp:sp modelId="{DDB0A3EC-7CD0-D449-8ECC-07A21F3052AD}">
-      <dsp:nvSpPr>
-        <dsp:cNvPr id="0" name=""/>
-        <dsp:cNvSpPr/>
-      </dsp:nvSpPr>
-      <dsp:spPr>
-        <a:xfrm>
-          <a:off x="3565975" y="457200"/>
-          <a:ext cx="1689048" cy="609600"/>
-        </a:xfrm>
-        <a:prstGeom prst="roundRect">
-          <a:avLst/>
-        </a:prstGeom>
-        <a:solidFill>
-          <a:srgbClr val="3366FF"/>
-        </a:solidFill>
-        <a:ln>
-          <a:noFill/>
-        </a:ln>
-        <a:effectLst>
-          <a:outerShdw blurRad="40000" dist="23000" dir="5400000" rotWithShape="0">
-            <a:srgbClr val="000000">
-              <a:alpha val="35000"/>
-            </a:srgbClr>
-          </a:outerShdw>
-        </a:effectLst>
-        <a:scene3d>
-          <a:camera prst="orthographicFront"/>
-          <a:lightRig rig="threePt" dir="t"/>
-        </a:scene3d>
-        <a:sp3d>
-          <a:bevelT/>
-          <a:bevelB prst="relaxedInset"/>
-        </a:sp3d>
-      </dsp:spPr>
-      <dsp:style>
-        <a:lnRef idx="0">
-          <a:scrgbClr r="0" g="0" b="0"/>
-        </a:lnRef>
-        <a:fillRef idx="3">
-          <a:scrgbClr r="0" g="0" b="0"/>
-        </a:fillRef>
-        <a:effectRef idx="2">
-          <a:scrgbClr r="0" g="0" b="0"/>
-        </a:effectRef>
-        <a:fontRef idx="minor">
-          <a:schemeClr val="lt1"/>
-        </a:fontRef>
-      </dsp:style>
-      <dsp:txBody>
-        <a:bodyPr spcFirstLastPara="0" vert="horz" wrap="square" lIns="83820" tIns="83820" rIns="83820" bIns="83820" numCol="1" spcCol="1270" anchor="ctr" anchorCtr="0">
-          <a:noAutofit/>
-        </a:bodyPr>
-        <a:lstStyle/>
-        <a:p>
-          <a:pPr lvl="0" algn="ctr" defTabSz="977900">
-            <a:lnSpc>
-              <a:spcPct val="90000"/>
-            </a:lnSpc>
-            <a:spcBef>
-              <a:spcPct val="0"/>
-            </a:spcBef>
-            <a:spcAft>
-              <a:spcPct val="35000"/>
-            </a:spcAft>
-          </a:pPr>
-          <a:r>
-            <a:rPr lang="en-US" sz="2200" kern="1200" dirty="0" smtClean="0"/>
-            <a:t>Engineers</a:t>
-          </a:r>
-          <a:endParaRPr lang="en-US" sz="2200" kern="1200" dirty="0"/>
-        </a:p>
-      </dsp:txBody>
-      <dsp:txXfrm>
-        <a:off x="3565975" y="457200"/>
-        <a:ext cx="1689048" cy="609600"/>
-      </dsp:txXfrm>
-    </dsp:sp>
-  </dsp:spTree>
-</dsp:drawing>
-</file>
-
-<file path=ppt/diagrams/layout1.xml><?xml version="1.0" encoding="utf-8"?>
-<dgm:layoutDef xmlns:dgm="http://schemas.openxmlformats.org/drawingml/2006/diagram" xmlns:a="http://schemas.openxmlformats.org/drawingml/2006/main" uniqueId="urn:microsoft.com/office/officeart/2005/8/layout/hProcess9">
-  <dgm:title val=""/>
-  <dgm:desc val=""/>
-  <dgm:catLst>
-    <dgm:cat type="process" pri="5000"/>
-    <dgm:cat type="convert" pri="13000"/>
-  </dgm:catLst>
-  <dgm:sampData useDef="1">
-    <dgm:dataModel>
-      <dgm:ptLst/>
-      <dgm:bg/>
-      <dgm:whole/>
-    </dgm:dataModel>
-  </dgm:sampData>
-  <dgm:styleData>
-    <dgm:dataModel>
-      <dgm:ptLst>
-        <dgm:pt modelId="0" type="doc"/>
-        <dgm:pt modelId="1"/>
-        <dgm:pt modelId="2"/>
-      </dgm:ptLst>
-      <dgm:cxnLst>
-        <dgm:cxn modelId="3" srcId="0" destId="1" srcOrd="0" destOrd="0"/>
-        <dgm:cxn modelId="4" srcId="0" destId="2" srcOrd="1" destOrd="0"/>
-      </dgm:cxnLst>
-      <dgm:bg/>
-      <dgm:whole/>
-    </dgm:dataModel>
-  </dgm:styleData>
-  <dgm:clrData>
-    <dgm:dataModel>
-      <dgm:ptLst>
-        <dgm:pt modelId="0" type="doc"/>
-        <dgm:pt modelId="1"/>
-        <dgm:pt modelId="2"/>
-        <dgm:pt modelId="3"/>
-        <dgm:pt modelId="4"/>
-      </dgm:ptLst>
-      <dgm:cxnLst>
-        <dgm:cxn modelId="5" srcId="0" destId="1" srcOrd="0" destOrd="0"/>
-        <dgm:cxn modelId="6" srcId="0" destId="2" srcOrd="1" destOrd="0"/>
-        <dgm:cxn modelId="7" srcId="0" destId="3" srcOrd="2" destOrd="0"/>
-        <dgm:cxn modelId="8" srcId="0" destId="4" srcOrd="3" destOrd="0"/>
-      </dgm:cxnLst>
-      <dgm:bg/>
-      <dgm:whole/>
-    </dgm:dataModel>
-  </dgm:clrData>
-  <dgm:layoutNode name="CompostProcess">
-    <dgm:varLst>
-      <dgm:dir/>
-      <dgm:resizeHandles val="exact"/>
-    </dgm:varLst>
-    <dgm:alg type="composite">
-      <dgm:param type="horzAlign" val="ctr"/>
-      <dgm:param type="vertAlign" val="mid"/>
-    </dgm:alg>
-    <dgm:shape xmlns:r="http://schemas.openxmlformats.org/officeDocument/2006/relationships" r:blip="">
-      <dgm:adjLst/>
-    </dgm:shape>
-    <dgm:presOf/>
-    <dgm:constrLst>
-      <dgm:constr type="w" for="ch" forName="arrow" refType="w" fact="0.85"/>
-      <dgm:constr type="h" for="ch" forName="arrow" refType="h"/>
-      <dgm:constr type="ctrX" for="ch" forName="arrow" refType="w" fact="0.5"/>
-      <dgm:constr type="ctrY" for="ch" forName="arrow" refType="h" fact="0.5"/>
-      <dgm:constr type="w" for="ch" forName="linearProcess" refType="w"/>
-      <dgm:constr type="h" for="ch" forName="linearProcess" refType="h" fact="0.4"/>
-      <dgm:constr type="ctrX" for="ch" forName="linearProcess" refType="w" fact="0.5"/>
-      <dgm:constr type="ctrY" for="ch" forName="linearProcess" refType="h" fact="0.5"/>
-    </dgm:constrLst>
-    <dgm:ruleLst/>
-    <dgm:layoutNode name="arrow" styleLbl="bgShp">
-      <dgm:alg type="sp"/>
-      <dgm:choose name="Name0">
-        <dgm:if name="Name1" func="var" arg="dir" op="equ" val="norm">
-          <dgm:shape xmlns:r="http://schemas.openxmlformats.org/officeDocument/2006/relationships" type="rightArrow" r:blip="">
-            <dgm:adjLst/>
-          </dgm:shape>
-        </dgm:if>
-        <dgm:else name="Name2">
-          <dgm:shape xmlns:r="http://schemas.openxmlformats.org/officeDocument/2006/relationships" type="leftArrow" r:blip="">
-            <dgm:adjLst/>
-          </dgm:shape>
-        </dgm:else>
-      </dgm:choose>
-      <dgm:presOf/>
-      <dgm:constrLst/>
-      <dgm:ruleLst/>
-    </dgm:layoutNode>
-    <dgm:layoutNode name="linearProcess">
-      <dgm:choose name="Name3">
-        <dgm:if name="Name4" func="var" arg="dir" op="equ" val="norm">
-          <dgm:alg type="lin"/>
-        </dgm:if>
-        <dgm:else name="Name5">
-          <dgm:alg type="lin">
-            <dgm:param type="linDir" val="fromR"/>
-          </dgm:alg>
-        </dgm:else>
-      </dgm:choose>
-      <dgm:shape xmlns:r="http://schemas.openxmlformats.org/officeDocument/2006/relationships" r:blip="">
-        <dgm:adjLst/>
-      </dgm:shape>
-      <dgm:presOf/>
-      <dgm:constrLst>
-        <dgm:constr type="userA" for="ch" ptType="node" refType="w"/>
-        <dgm:constr type="h" for="ch" ptType="node" refType="h"/>
-        <dgm:constr type="w" for="ch" ptType="node" op="equ"/>
-        <dgm:constr type="w" for="ch" forName="sibTrans" refType="w" fact="0.05"/>
-        <dgm:constr type="primFontSz" for="ch" ptType="node" op="equ" val="65"/>
-      </dgm:constrLst>
-      <dgm:ruleLst/>
-      <dgm:forEach name="Name6" axis="ch" ptType="node">
-        <dgm:layoutNode name="textNode" styleLbl="node1">
-          <dgm:varLst>
-            <dgm:bulletEnabled val="1"/>
-          </dgm:varLst>
-          <dgm:alg type="tx"/>
-          <dgm:shape xmlns:r="http://schemas.openxmlformats.org/officeDocument/2006/relationships" type="roundRect" r:blip="">
-            <dgm:adjLst/>
-          </dgm:shape>
-          <dgm:presOf axis="desOrSelf" ptType="node"/>
-          <dgm:constrLst>
-            <dgm:constr type="userA"/>
-            <dgm:constr type="w" refType="userA" fact="0.3"/>
-            <dgm:constr type="tMarg" refType="primFontSz" fact="0.3"/>
-            <dgm:constr type="bMarg" refType="primFontSz" fact="0.3"/>
-            <dgm:constr type="lMarg" refType="primFontSz" fact="0.3"/>
-            <dgm:constr type="rMarg" refType="primFontSz" fact="0.3"/>
-          </dgm:constrLst>
-          <dgm:ruleLst>
-            <dgm:rule type="w" val="NaN" fact="1" max="NaN"/>
-            <dgm:rule type="primFontSz" val="5" fact="NaN" max="NaN"/>
-          </dgm:ruleLst>
-        </dgm:layoutNode>
-        <dgm:forEach name="Name7" axis="followSib" ptType="sibTrans" cnt="1">
-          <dgm:layoutNode name="sibTrans">
-            <dgm:alg type="sp"/>
-            <dgm:shape xmlns:r="http://schemas.openxmlformats.org/officeDocument/2006/relationships" r:blip="">
-              <dgm:adjLst/>
-            </dgm:shape>
-            <dgm:presOf/>
-            <dgm:constrLst/>
-            <dgm:ruleLst/>
-          </dgm:layoutNode>
-        </dgm:forEach>
-      </dgm:forEach>
-    </dgm:layoutNode>
-  </dgm:layoutNode>
-</dgm:layoutDef>
-</file>
-
-<file path=ppt/diagrams/quickStyle1.xml><?xml version="1.0" encoding="utf-8"?>
-<dgm:styleDef xmlns:dgm="http://schemas.openxmlformats.org/drawingml/2006/diagram" xmlns:a="http://schemas.openxmlformats.org/drawingml/2006/main" uniqueId="urn:microsoft.com/office/officeart/2005/8/quickstyle/simple4">
-  <dgm:title val=""/>
-  <dgm:desc val=""/>
-  <dgm:catLst>
-    <dgm:cat type="simple" pri="10400"/>
-  </dgm:catLst>
-  <dgm:scene3d>
-    <a:camera prst="orthographicFront"/>
-    <a:lightRig rig="threePt" dir="t"/>
-  </dgm:scene3d>
-  <dgm:styleLbl name="node0">
-    <dgm:scene3d>
-      <a:camera prst="orthographicFront"/>
-      <a:lightRig rig="threePt" dir="t"/>
-    </dgm:scene3d>
-    <dgm:sp3d/>
-    <dgm:txPr/>
-    <dgm:style>
-      <a:lnRef idx="0">
-        <a:scrgbClr r="0" g="0" b="0"/>
-      </a:lnRef>
-      <a:fillRef idx="3">
-        <a:scrgbClr r="0" g="0" b="0"/>
-      </a:fillRef>
-      <a:effectRef idx="2">
-        <a:scrgbClr r="0" g="0" b="0"/>
-      </a:effectRef>
-      <a:fontRef idx="minor">
-        <a:schemeClr val="lt1"/>
-      </a:fontRef>
-    </dgm:style>
-  </dgm:styleLbl>
-  <dgm:styleLbl name="lnNode1">
-    <dgm:scene3d>
-      <a:camera prst="orthographicFront"/>
-      <a:lightRig rig="threePt" dir="t"/>
-    </dgm:scene3d>
-    <dgm:sp3d/>
-    <dgm:txPr/>
-    <dgm:style>
-      <a:lnRef idx="1">
-        <a:scrgbClr r="0" g="0" b="0"/>
-      </a:lnRef>
-      <a:fillRef idx="3">
-        <a:scrgbClr r="0" g="0" b="0"/>
-      </a:fillRef>
-      <a:effectRef idx="2">
-        <a:scrgbClr r="0" g="0" b="0"/>
-      </a:effectRef>
-      <a:fontRef idx="minor">
-        <a:schemeClr val="lt1"/>
-      </a:fontRef>
-    </dgm:style>
-  </dgm:styleLbl>
-  <dgm:styleLbl name="vennNode1">
-    <dgm:scene3d>
-      <a:camera prst="orthographicFront"/>
-      <a:lightRig rig="threePt" dir="t"/>
-    </dgm:scene3d>
-    <dgm:sp3d/>
-    <dgm:txPr/>
-    <dgm:style>
-      <a:lnRef idx="0">
-        <a:scrgbClr r="0" g="0" b="0"/>
-      </a:lnRef>
-      <a:fillRef idx="3">
-        <a:scrgbClr r="0" g="0" b="0"/>
-      </a:fillRef>
-      <a:effectRef idx="0">
-        <a:scrgbClr r="0" g="0" b="0"/>
-      </a:effectRef>
-      <a:fontRef idx="minor">
-        <a:schemeClr val="tx1"/>
-      </a:fontRef>
-    </dgm:style>
-  </dgm:styleLbl>
-  <dgm:styleLbl name="alignNode1">
-    <dgm:scene3d>
-      <a:camera prst="orthographicFront"/>
-      <a:lightRig rig="threePt" dir="t"/>
-    </dgm:scene3d>
-    <dgm:sp3d/>
-    <dgm:txPr/>
-    <dgm:style>
-      <a:lnRef idx="1">
-        <a:scrgbClr r="0" g="0" b="0"/>
-      </a:lnRef>
-      <a:fillRef idx="3">
-        <a:scrgbClr r="0" g="0" b="0"/>
-      </a:fillRef>
-      <a:effectRef idx="2">
-        <a:scrgbClr r="0" g="0" b="0"/>
-      </a:effectRef>
-      <a:fontRef idx="minor">
-        <a:schemeClr val="lt1"/>
-      </a:fontRef>
-    </dgm:style>
-  </dgm:styleLbl>
-  <dgm:styleLbl name="node1">
-    <dgm:scene3d>
-      <a:camera prst="orthographicFront"/>
-      <a:lightRig rig="threePt" dir="t"/>
-    </dgm:scene3d>
-    <dgm:sp3d/>
-    <dgm:txPr/>
-    <dgm:style>
-      <a:lnRef idx="0">
-        <a:scrgbClr r="0" g="0" b="0"/>
-      </a:lnRef>
-      <a:fillRef idx="3">
-        <a:scrgbClr r="0" g="0" b="0"/>
-      </a:fillRef>
-      <a:effectRef idx="2">
-        <a:scrgbClr r="0" g="0" b="0"/>
-      </a:effectRef>
-      <a:fontRef idx="minor">
-        <a:schemeClr val="lt1"/>
-      </a:fontRef>
-    </dgm:style>
-  </dgm:styleLbl>
-  <dgm:styleLbl name="node2">
-    <dgm:scene3d>
-      <a:camera prst="orthographicFront"/>
-      <a:lightRig rig="threePt" dir="t"/>
-    </dgm:scene3d>
-    <dgm:sp3d/>
-    <dgm:txPr/>
-    <dgm:style>
-      <a:lnRef idx="0">
-        <a:scrgbClr r="0" g="0" b="0"/>
-      </a:lnRef>
-      <a:fillRef idx="3">
-        <a:scrgbClr r="0" g="0" b="0"/>
-      </a:fillRef>
-      <a:effectRef idx="2">
-        <a:scrgbClr r="0" g="0" b="0"/>
-      </a:effectRef>
-      <a:fontRef idx="minor">
-        <a:schemeClr val="lt1"/>
-      </a:fontRef>
-    </dgm:style>
-  </dgm:styleLbl>
-  <dgm:styleLbl name="node3">
-    <dgm:scene3d>
-      <a:camera prst="orthographicFront"/>
-      <a:lightRig rig="threePt" dir="t"/>
-    </dgm:scene3d>
-    <dgm:sp3d/>
-    <dgm:txPr/>
-    <dgm:style>
-      <a:lnRef idx="0">
-        <a:scrgbClr r="0" g="0" b="0"/>
-      </a:lnRef>
-      <a:fillRef idx="3">
-        <a:scrgbClr r="0" g="0" b="0"/>
-      </a:fillRef>
-      <a:effectRef idx="2">
-        <a:scrgbClr r="0" g="0" b="0"/>
-      </a:effectRef>
-      <a:fontRef idx="minor">
-        <a:schemeClr val="lt1"/>
-      </a:fontRef>
-    </dgm:style>
-  </dgm:styleLbl>
-  <dgm:styleLbl name="node4">
-    <dgm:scene3d>
-      <a:camera prst="orthographicFront"/>
-      <a:lightRig rig="threePt" dir="t"/>
-    </dgm:scene3d>
-    <dgm:sp3d/>
-    <dgm:txPr/>
-    <dgm:style>
-      <a:lnRef idx="0">
-        <a:scrgbClr r="0" g="0" b="0"/>
-      </a:lnRef>
-      <a:fillRef idx="3">
-        <a:scrgbClr r="0" g="0" b="0"/>
-      </a:fillRef>
-      <a:effectRef idx="2">
-        <a:scrgbClr r="0" g="0" b="0"/>
-      </a:effectRef>
-      <a:fontRef idx="minor">
-        <a:schemeClr val="lt1"/>
-      </a:fontRef>
-    </dgm:style>
-  </dgm:styleLbl>
-  <dgm:styleLbl name="fgImgPlace1">
-    <dgm:scene3d>
-      <a:camera prst="orthographicFront"/>
-      <a:lightRig rig="threePt" dir="t"/>
-    </dgm:scene3d>
-    <dgm:sp3d/>
-    <dgm:txPr/>
-    <dgm:style>
-      <a:lnRef idx="0">
-        <a:scrgbClr r="0" g="0" b="0"/>
-      </a:lnRef>
-      <a:fillRef idx="1">
-        <a:scrgbClr r="0" g="0" b="0"/>
-      </a:fillRef>
-      <a:effectRef idx="2">
-        <a:scrgbClr r="0" g="0" b="0"/>
-      </a:effectRef>
-      <a:fontRef idx="minor"/>
-    </dgm:style>
-  </dgm:styleLbl>
-  <dgm:styleLbl name="alignImgPlace1">
-    <dgm:scene3d>
-      <a:camera prst="orthographicFront"/>
-      <a:lightRig rig="threePt" dir="t"/>
-    </dgm:scene3d>
-    <dgm:sp3d/>
-    <dgm:txPr/>
-    <dgm:style>
-      <a:lnRef idx="0">
-        <a:scrgbClr r="0" g="0" b="0"/>
-      </a:lnRef>
-      <a:fillRef idx="1">
-        <a:scrgbClr r="0" g="0" b="0"/>
-      </a:fillRef>
-      <a:effectRef idx="2">
-        <a:scrgbClr r="0" g="0" b="0"/>
-      </a:effectRef>
-      <a:fontRef idx="minor"/>
-    </dgm:style>
-  </dgm:styleLbl>
-  <dgm:styleLbl name="bgImgPlace1">
-    <dgm:scene3d>
-      <a:camera prst="orthographicFront"/>
-      <a:lightRig rig="threePt" dir="t"/>
-    </dgm:scene3d>
-    <dgm:sp3d/>
-    <dgm:txPr/>
-    <dgm:style>
-      <a:lnRef idx="0">
-        <a:scrgbClr r="0" g="0" b="0"/>
-      </a:lnRef>
-      <a:fillRef idx="1">
-        <a:scrgbClr r="0" g="0" b="0"/>
-      </a:fillRef>
-      <a:effectRef idx="2">
-        <a:scrgbClr r="0" g="0" b="0"/>
-      </a:effectRef>
-      <a:fontRef idx="minor"/>
-    </dgm:style>
-  </dgm:styleLbl>
-  <dgm:styleLbl name="sibTrans2D1">
-    <dgm:scene3d>
-      <a:camera prst="orthographicFront"/>
-      <a:lightRig rig="threePt" dir="t"/>
-    </dgm:scene3d>
-    <dgm:sp3d/>
-    <dgm:txPr/>
-    <dgm:style>
-      <a:lnRef idx="0">
-        <a:scrgbClr r="0" g="0" b="0"/>
-      </a:lnRef>
-      <a:fillRef idx="3">
-        <a:scrgbClr r="0" g="0" b="0"/>
-      </a:fillRef>
-      <a:effectRef idx="2">
-        <a:scrgbClr r="0" g="0" b="0"/>
-      </a:effectRef>
-      <a:fontRef idx="minor">
-        <a:schemeClr val="lt1"/>
-      </a:fontRef>
-    </dgm:style>
-  </dgm:styleLbl>
-  <dgm:styleLbl name="fgSibTrans2D1">
-    <dgm:scene3d>
-      <a:camera prst="orthographicFront"/>
-      <a:lightRig rig="threePt" dir="t"/>
-    </dgm:scene3d>
-    <dgm:sp3d/>
-    <dgm:txPr/>
-    <dgm:style>
-      <a:lnRef idx="0">
-        <a:scrgbClr r="0" g="0" b="0"/>
-      </a:lnRef>
-      <a:fillRef idx="3">
-        <a:scrgbClr r="0" g="0" b="0"/>
-      </a:fillRef>
-      <a:effectRef idx="2">
-        <a:scrgbClr r="0" g="0" b="0"/>
-      </a:effectRef>
-      <a:fontRef idx="minor">
-        <a:schemeClr val="lt1"/>
-      </a:fontRef>
-    </dgm:style>
-  </dgm:styleLbl>
-  <dgm:styleLbl name="bgSibTrans2D1">
-    <dgm:scene3d>
-      <a:camera prst="orthographicFront"/>
-      <a:lightRig rig="threePt" dir="t"/>
-    </dgm:scene3d>
-    <dgm:sp3d/>
-    <dgm:txPr/>
-    <dgm:style>
-      <a:lnRef idx="0">
-        <a:scrgbClr r="0" g="0" b="0"/>
-      </a:lnRef>
-      <a:fillRef idx="3">
-        <a:scrgbClr r="0" g="0" b="0"/>
-      </a:fillRef>
-      <a:effectRef idx="2">
-        <a:scrgbClr r="0" g="0" b="0"/>
-      </a:effectRef>
-      <a:fontRef idx="minor">
-        <a:schemeClr val="lt1"/>
-      </a:fontRef>
-    </dgm:style>
-  </dgm:styleLbl>
-  <dgm:styleLbl name="sibTrans1D1">
-    <dgm:scene3d>
-      <a:camera prst="orthographicFront"/>
-      <a:lightRig rig="threePt" dir="t"/>
-    </dgm:scene3d>
-    <dgm:sp3d/>
-    <dgm:txPr/>
-    <dgm:style>
-      <a:lnRef idx="1">
-        <a:scrgbClr r="0" g="0" b="0"/>
-      </a:lnRef>
-      <a:fillRef idx="0">
-        <a:scrgbClr r="0" g="0" b="0"/>
-      </a:fillRef>
-      <a:effectRef idx="0">
-        <a:scrgbClr r="0" g="0" b="0"/>
-      </a:effectRef>
-      <a:fontRef idx="minor"/>
-    </dgm:style>
-  </dgm:styleLbl>
-  <dgm:styleLbl name="callout">
-    <dgm:scene3d>
-      <a:camera prst="orthographicFront"/>
-      <a:lightRig rig="threePt" dir="t"/>
-    </dgm:scene3d>
-    <dgm:sp3d/>
-    <dgm:txPr/>
-    <dgm:style>
-      <a:lnRef idx="2">
-        <a:scrgbClr r="0" g="0" b="0"/>
-      </a:lnRef>
-      <a:fillRef idx="1">
-        <a:scrgbClr r="0" g="0" b="0"/>
-      </a:fillRef>
-      <a:effectRef idx="1">
-        <a:scrgbClr r="0" g="0" b="0"/>
-      </a:effectRef>
-      <a:fontRef idx="minor"/>
-    </dgm:style>
-  </dgm:styleLbl>
-  <dgm:styleLbl name="asst0">
-    <dgm:scene3d>
-      <a:camera prst="orthographicFront"/>
-      <a:lightRig rig="threePt" dir="t"/>
-    </dgm:scene3d>
-    <dgm:sp3d/>
-    <dgm:txPr/>
-    <dgm:style>
-      <a:lnRef idx="0">
-        <a:scrgbClr r="0" g="0" b="0"/>
-      </a:lnRef>
-      <a:fillRef idx="3">
-        <a:scrgbClr r="0" g="0" b="0"/>
-      </a:fillRef>
-      <a:effectRef idx="2">
-        <a:scrgbClr r="0" g="0" b="0"/>
-      </a:effectRef>
-      <a:fontRef idx="minor">
-        <a:schemeClr val="lt1"/>
-      </a:fontRef>
-    </dgm:style>
-  </dgm:styleLbl>
-  <dgm:styleLbl name="asst1">
-    <dgm:scene3d>
-      <a:camera prst="orthographicFront"/>
-      <a:lightRig rig="threePt" dir="t"/>
-    </dgm:scene3d>
-    <dgm:sp3d/>
-    <dgm:txPr/>
-    <dgm:style>
-      <a:lnRef idx="0">
-        <a:scrgbClr r="0" g="0" b="0"/>
-      </a:lnRef>
-      <a:fillRef idx="3">
-        <a:scrgbClr r="0" g="0" b="0"/>
-      </a:fillRef>
-      <a:effectRef idx="2">
-        <a:scrgbClr r="0" g="0" b="0"/>
-      </a:effectRef>
-      <a:fontRef idx="minor">
-        <a:schemeClr val="lt1"/>
-      </a:fontRef>
-    </dgm:style>
-  </dgm:styleLbl>
-  <dgm:styleLbl name="asst2">
-    <dgm:scene3d>
-      <a:camera prst="orthographicFront"/>
-      <a:lightRig rig="threePt" dir="t"/>
-    </dgm:scene3d>
-    <dgm:sp3d/>
-    <dgm:txPr/>
-    <dgm:style>
-      <a:lnRef idx="0">
-        <a:scrgbClr r="0" g="0" b="0"/>
-      </a:lnRef>
-      <a:fillRef idx="3">
-        <a:scrgbClr r="0" g="0" b="0"/>
-      </a:fillRef>
-      <a:effectRef idx="2">
-        <a:scrgbClr r="0" g="0" b="0"/>
-      </a:effectRef>
-      <a:fontRef idx="minor">
-        <a:schemeClr val="lt1"/>
-      </a:fontRef>
-    </dgm:style>
-  </dgm:styleLbl>
-  <dgm:styleLbl name="asst3">
-    <dgm:scene3d>
-      <a:camera prst="orthographicFront"/>
-      <a:lightRig rig="threePt" dir="t"/>
-    </dgm:scene3d>
-    <dgm:sp3d/>
-    <dgm:txPr/>
-    <dgm:style>
-      <a:lnRef idx="0">
-        <a:scrgbClr r="0" g="0" b="0"/>
-      </a:lnRef>
-      <a:fillRef idx="3">
-        <a:scrgbClr r="0" g="0" b="0"/>
-      </a:fillRef>
-      <a:effectRef idx="2">
-        <a:scrgbClr r="0" g="0" b="0"/>
-      </a:effectRef>
-      <a:fontRef idx="minor">
-        <a:schemeClr val="lt1"/>
-      </a:fontRef>
-    </dgm:style>
-  </dgm:styleLbl>
-  <dgm:styleLbl name="asst4">
-    <dgm:scene3d>
-      <a:camera prst="orthographicFront"/>
-      <a:lightRig rig="threePt" dir="t"/>
-    </dgm:scene3d>
-    <dgm:sp3d/>
-    <dgm:txPr/>
-    <dgm:style>
-      <a:lnRef idx="0">
-        <a:scrgbClr r="0" g="0" b="0"/>
-      </a:lnRef>
-      <a:fillRef idx="3">
-        <a:scrgbClr r="0" g="0" b="0"/>
-      </a:fillRef>
-      <a:effectRef idx="2">
-        <a:scrgbClr r="0" g="0" b="0"/>
-      </a:effectRef>
-      <a:fontRef idx="minor">
-        <a:schemeClr val="lt1"/>
-      </a:fontRef>
-    </dgm:style>
-  </dgm:styleLbl>
-  <dgm:styleLbl name="parChTrans2D1">
-    <dgm:scene3d>
-      <a:camera prst="orthographicFront"/>
-      <a:lightRig rig="threePt" dir="t"/>
-    </dgm:scene3d>
-    <dgm:sp3d/>
-    <dgm:txPr/>
-    <dgm:style>
-      <a:lnRef idx="0">
-        <a:scrgbClr r="0" g="0" b="0"/>
-      </a:lnRef>
-      <a:fillRef idx="3">
-        <a:scrgbClr r="0" g="0" b="0"/>
-      </a:fillRef>
-      <a:effectRef idx="2">
-        <a:scrgbClr r="0" g="0" b="0"/>
-      </a:effectRef>
-      <a:fontRef idx="minor">
-        <a:schemeClr val="lt1"/>
-      </a:fontRef>
-    </dgm:style>
-  </dgm:styleLbl>
-  <dgm:styleLbl name="parChTrans2D2">
-    <dgm:scene3d>
-      <a:camera prst="orthographicFront"/>
-      <a:lightRig rig="threePt" dir="t"/>
-    </dgm:scene3d>
-    <dgm:sp3d/>
-    <dgm:txPr/>
-    <dgm:style>
-      <a:lnRef idx="0">
-        <a:scrgbClr r="0" g="0" b="0"/>
-      </a:lnRef>
-      <a:fillRef idx="3">
-        <a:scrgbClr r="0" g="0" b="0"/>
-      </a:fillRef>
-      <a:effectRef idx="2">
-        <a:scrgbClr r="0" g="0" b="0"/>
-      </a:effectRef>
-      <a:fontRef idx="minor">
-        <a:schemeClr val="lt1"/>
-      </a:fontRef>
-    </dgm:style>
-  </dgm:styleLbl>
-  <dgm:styleLbl name="parChTrans2D3">
-    <dgm:scene3d>
-      <a:camera prst="orthographicFront"/>
-      <a:lightRig rig="threePt" dir="t"/>
-    </dgm:scene3d>
-    <dgm:sp3d/>
-    <dgm:txPr/>
-    <dgm:style>
-      <a:lnRef idx="1">
-        <a:scrgbClr r="0" g="0" b="0"/>
-      </a:lnRef>
-      <a:fillRef idx="3">
-        <a:scrgbClr r="0" g="0" b="0"/>
-      </a:fillRef>
-      <a:effectRef idx="2">
-        <a:scrgbClr r="0" g="0" b="0"/>
-      </a:effectRef>
-      <a:fontRef idx="minor">
-        <a:schemeClr val="lt1"/>
-      </a:fontRef>
-    </dgm:style>
-  </dgm:styleLbl>
-  <dgm:styleLbl name="parChTrans2D4">
-    <dgm:scene3d>
-      <a:camera prst="orthographicFront"/>
-      <a:lightRig rig="threePt" dir="t"/>
-    </dgm:scene3d>
-    <dgm:sp3d/>
-    <dgm:txPr/>
-    <dgm:style>
-      <a:lnRef idx="1">
-        <a:scrgbClr r="0" g="0" b="0"/>
-      </a:lnRef>
-      <a:fillRef idx="3">
-        <a:scrgbClr r="0" g="0" b="0"/>
-      </a:fillRef>
-      <a:effectRef idx="2">
-        <a:scrgbClr r="0" g="0" b="0"/>
-      </a:effectRef>
-      <a:fontRef idx="minor">
-        <a:schemeClr val="lt1"/>
-      </a:fontRef>
-    </dgm:style>
-  </dgm:styleLbl>
-  <dgm:styleLbl name="parChTrans1D1">
-    <dgm:scene3d>
-      <a:camera prst="orthographicFront"/>
-      <a:lightRig rig="threePt" dir="t"/>
-    </dgm:scene3d>
-    <dgm:sp3d/>
-    <dgm:txPr/>
-    <dgm:style>
-      <a:lnRef idx="1">
-        <a:scrgbClr r="0" g="0" b="0"/>
-      </a:lnRef>
-      <a:fillRef idx="0">
-        <a:scrgbClr r="0" g="0" b="0"/>
-      </a:fillRef>
-      <a:effectRef idx="0">
-        <a:scrgbClr r="0" g="0" b="0"/>
-      </a:effectRef>
-      <a:fontRef idx="minor"/>
-    </dgm:style>
-  </dgm:styleLbl>
-  <dgm:styleLbl name="parChTrans1D2">
-    <dgm:scene3d>
-      <a:camera prst="orthographicFront"/>
-      <a:lightRig rig="threePt" dir="t"/>
-    </dgm:scene3d>
-    <dgm:sp3d/>
-    <dgm:txPr/>
-    <dgm:style>
-      <a:lnRef idx="1">
-        <a:scrgbClr r="0" g="0" b="0"/>
-      </a:lnRef>
-      <a:fillRef idx="0">
-        <a:scrgbClr r="0" g="0" b="0"/>
-      </a:fillRef>
-      <a:effectRef idx="0">
-        <a:scrgbClr r="0" g="0" b="0"/>
-      </a:effectRef>
-      <a:fontRef idx="minor"/>
-    </dgm:style>
-  </dgm:styleLbl>
-  <dgm:styleLbl name="parChTrans1D3">
-    <dgm:scene3d>
-      <a:camera prst="orthographicFront"/>
-      <a:lightRig rig="threePt" dir="t"/>
-    </dgm:scene3d>
-    <dgm:sp3d/>
-    <dgm:txPr/>
-    <dgm:style>
-      <a:lnRef idx="1">
-        <a:scrgbClr r="0" g="0" b="0"/>
-      </a:lnRef>
-      <a:fillRef idx="0">
-        <a:scrgbClr r="0" g="0" b="0"/>
-      </a:fillRef>
-      <a:effectRef idx="0">
-        <a:scrgbClr r="0" g="0" b="0"/>
-      </a:effectRef>
-      <a:fontRef idx="minor"/>
-    </dgm:style>
-  </dgm:styleLbl>
-  <dgm:styleLbl name="parChTrans1D4">
-    <dgm:scene3d>
-      <a:camera prst="orthographicFront"/>
-      <a:lightRig rig="threePt" dir="t"/>
-    </dgm:scene3d>
-    <dgm:sp3d/>
-    <dgm:txPr/>
-    <dgm:style>
-      <a:lnRef idx="1">
-        <a:scrgbClr r="0" g="0" b="0"/>
-      </a:lnRef>
-      <a:fillRef idx="0">
-        <a:scrgbClr r="0" g="0" b="0"/>
-      </a:fillRef>
-      <a:effectRef idx="0">
-        <a:scrgbClr r="0" g="0" b="0"/>
-      </a:effectRef>
-      <a:fontRef idx="minor"/>
-    </dgm:style>
-  </dgm:styleLbl>
-  <dgm:styleLbl name="fgAcc1">
-    <dgm:scene3d>
-      <a:camera prst="orthographicFront"/>
-      <a:lightRig rig="threePt" dir="t"/>
-    </dgm:scene3d>
-    <dgm:sp3d/>
-    <dgm:txPr/>
-    <dgm:style>
-      <a:lnRef idx="1">
-        <a:scrgbClr r="0" g="0" b="0"/>
-      </a:lnRef>
-      <a:fillRef idx="1">
-        <a:scrgbClr r="0" g="0" b="0"/>
-      </a:fillRef>
-      <a:effectRef idx="0">
-        <a:scrgbClr r="0" g="0" b="0"/>
-      </a:effectRef>
-      <a:fontRef idx="minor"/>
-    </dgm:style>
-  </dgm:styleLbl>
-  <dgm:styleLbl name="conFgAcc1">
-    <dgm:scene3d>
-      <a:camera prst="orthographicFront"/>
-      <a:lightRig rig="threePt" dir="t"/>
-    </dgm:scene3d>
-    <dgm:sp3d/>
-    <dgm:txPr/>
-    <dgm:style>
-      <a:lnRef idx="1">
-        <a:scrgbClr r="0" g="0" b="0"/>
-      </a:lnRef>
-      <a:fillRef idx="1">
-        <a:scrgbClr r="0" g="0" b="0"/>
-      </a:fillRef>
-      <a:effectRef idx="0">
-        <a:scrgbClr r="0" g="0" b="0"/>
-      </a:effectRef>
-      <a:fontRef idx="minor"/>
-    </dgm:style>
-  </dgm:styleLbl>
-  <dgm:styleLbl name="alignAcc1">
-    <dgm:scene3d>
-      <a:camera prst="orthographicFront"/>
-      <a:lightRig rig="threePt" dir="t"/>
-    </dgm:scene3d>
-    <dgm:sp3d/>
-    <dgm:txPr/>
-    <dgm:style>
-      <a:lnRef idx="1">
-        <a:scrgbClr r="0" g="0" b="0"/>
-      </a:lnRef>
-      <a:fillRef idx="1">
-        <a:scrgbClr r="0" g="0" b="0"/>
-      </a:fillRef>
-      <a:effectRef idx="0">
-        <a:scrgbClr r="0" g="0" b="0"/>
-      </a:effectRef>
-      <a:fontRef idx="minor"/>
-    </dgm:style>
-  </dgm:styleLbl>
-  <dgm:styleLbl name="trAlignAcc1">
-    <dgm:scene3d>
-      <a:camera prst="orthographicFront"/>
-      <a:lightRig rig="threePt" dir="t"/>
-    </dgm:scene3d>
-    <dgm:sp3d/>
-    <dgm:txPr/>
-    <dgm:style>
-      <a:lnRef idx="1">
-        <a:scrgbClr r="0" g="0" b="0"/>
-      </a:lnRef>
-      <a:fillRef idx="1">
-        <a:scrgbClr r="0" g="0" b="0"/>
-      </a:fillRef>
-      <a:effectRef idx="0">
-        <a:scrgbClr r="0" g="0" b="0"/>
-      </a:effectRef>
-      <a:fontRef idx="minor"/>
-    </dgm:style>
-  </dgm:styleLbl>
-  <dgm:styleLbl name="bgAcc1">
-    <dgm:scene3d>
-      <a:camera prst="orthographicFront"/>
-      <a:lightRig rig="threePt" dir="t"/>
-    </dgm:scene3d>
-    <dgm:sp3d/>
-    <dgm:txPr/>
-    <dgm:style>
-      <a:lnRef idx="1">
-        <a:scrgbClr r="0" g="0" b="0"/>
-      </a:lnRef>
-      <a:fillRef idx="1">
-        <a:scrgbClr r="0" g="0" b="0"/>
-      </a:fillRef>
-      <a:effectRef idx="0">
-        <a:scrgbClr r="0" g="0" b="0"/>
-      </a:effectRef>
-      <a:fontRef idx="minor"/>
-    </dgm:style>
-  </dgm:styleLbl>
-  <dgm:styleLbl name="solidFgAcc1">
-    <dgm:scene3d>
-      <a:camera prst="orthographicFront"/>
-      <a:lightRig rig="threePt" dir="t"/>
-    </dgm:scene3d>
-    <dgm:sp3d/>
-    <dgm:txPr/>
-    <dgm:style>
-      <a:lnRef idx="1">
-        <a:scrgbClr r="0" g="0" b="0"/>
-      </a:lnRef>
-      <a:fillRef idx="1">
-        <a:scrgbClr r="0" g="0" b="0"/>
-      </a:fillRef>
-      <a:effectRef idx="0">
-        <a:scrgbClr r="0" g="0" b="0"/>
-      </a:effectRef>
-      <a:fontRef idx="minor"/>
-    </dgm:style>
-  </dgm:styleLbl>
-  <dgm:styleLbl name="solidAlignAcc1">
-    <dgm:scene3d>
-      <a:camera prst="orthographicFront"/>
-      <a:lightRig rig="threePt" dir="t"/>
-    </dgm:scene3d>
-    <dgm:sp3d/>
-    <dgm:txPr/>
-    <dgm:style>
-      <a:lnRef idx="1">
-        <a:scrgbClr r="0" g="0" b="0"/>
-      </a:lnRef>
-      <a:fillRef idx="1">
-        <a:scrgbClr r="0" g="0" b="0"/>
-      </a:fillRef>
-      <a:effectRef idx="0">
-        <a:scrgbClr r="0" g="0" b="0"/>
-      </a:effectRef>
-      <a:fontRef idx="minor"/>
-    </dgm:style>
-  </dgm:styleLbl>
-  <dgm:styleLbl name="solidBgAcc1">
-    <dgm:scene3d>
-      <a:camera prst="orthographicFront"/>
-      <a:lightRig rig="threePt" dir="t"/>
-    </dgm:scene3d>
-    <dgm:sp3d/>
-    <dgm:txPr/>
-    <dgm:style>
-      <a:lnRef idx="1">
-        <a:scrgbClr r="0" g="0" b="0"/>
-      </a:lnRef>
-      <a:fillRef idx="1">
-        <a:scrgbClr r="0" g="0" b="0"/>
-      </a:fillRef>
-      <a:effectRef idx="0">
-        <a:scrgbClr r="0" g="0" b="0"/>
-      </a:effectRef>
-      <a:fontRef idx="minor"/>
-    </dgm:style>
-  </dgm:styleLbl>
-  <dgm:styleLbl name="fgAccFollowNode1">
-    <dgm:scene3d>
-      <a:camera prst="orthographicFront"/>
-      <a:lightRig rig="threePt" dir="t"/>
-    </dgm:scene3d>
-    <dgm:sp3d/>
-    <dgm:txPr/>
-    <dgm:style>
-      <a:lnRef idx="1">
-        <a:scrgbClr r="0" g="0" b="0"/>
-      </a:lnRef>
-      <a:fillRef idx="1">
-        <a:scrgbClr r="0" g="0" b="0"/>
-      </a:fillRef>
-      <a:effectRef idx="0">
-        <a:scrgbClr r="0" g="0" b="0"/>
-      </a:effectRef>
-      <a:fontRef idx="minor"/>
-    </dgm:style>
-  </dgm:styleLbl>
-  <dgm:styleLbl name="alignAccFollowNode1">
-    <dgm:scene3d>
-      <a:camera prst="orthographicFront"/>
-      <a:lightRig rig="threePt" dir="t"/>
-    </dgm:scene3d>
-    <dgm:sp3d/>
-    <dgm:txPr/>
-    <dgm:style>
-      <a:lnRef idx="1">
-        <a:scrgbClr r="0" g="0" b="0"/>
-      </a:lnRef>
-      <a:fillRef idx="1">
-        <a:scrgbClr r="0" g="0" b="0"/>
-      </a:fillRef>
-      <a:effectRef idx="0">
-        <a:scrgbClr r="0" g="0" b="0"/>
-      </a:effectRef>
-      <a:fontRef idx="minor"/>
-    </dgm:style>
-  </dgm:styleLbl>
-  <dgm:styleLbl name="bgAccFollowNode1">
-    <dgm:scene3d>
-      <a:camera prst="orthographicFront"/>
-      <a:lightRig rig="threePt" dir="t"/>
-    </dgm:scene3d>
-    <dgm:sp3d/>
-    <dgm:txPr/>
-    <dgm:style>
-      <a:lnRef idx="1">
-        <a:scrgbClr r="0" g="0" b="0"/>
-      </a:lnRef>
-      <a:fillRef idx="1">
-        <a:scrgbClr r="0" g="0" b="0"/>
-      </a:fillRef>
-      <a:effectRef idx="0">
-        <a:scrgbClr r="0" g="0" b="0"/>
-      </a:effectRef>
-      <a:fontRef idx="minor"/>
-    </dgm:style>
-  </dgm:styleLbl>
-  <dgm:styleLbl name="fgAcc0">
-    <dgm:scene3d>
-      <a:camera prst="orthographicFront"/>
-      <a:lightRig rig="threePt" dir="t"/>
-    </dgm:scene3d>
-    <dgm:sp3d/>
-    <dgm:txPr/>
-    <dgm:style>
-      <a:lnRef idx="1">
-        <a:scrgbClr r="0" g="0" b="0"/>
-      </a:lnRef>
-      <a:fillRef idx="1">
-        <a:scrgbClr r="0" g="0" b="0"/>
-      </a:fillRef>
-      <a:effectRef idx="0">
-        <a:scrgbClr r="0" g="0" b="0"/>
-      </a:effectRef>
-      <a:fontRef idx="minor"/>
-    </dgm:style>
-  </dgm:styleLbl>
-  <dgm:styleLbl name="fgAcc2">
-    <dgm:scene3d>
-      <a:camera prst="orthographicFront"/>
-      <a:lightRig rig="threePt" dir="t"/>
-    </dgm:scene3d>
-    <dgm:sp3d/>
-    <dgm:txPr/>
-    <dgm:style>
-      <a:lnRef idx="1">
-        <a:scrgbClr r="0" g="0" b="0"/>
-      </a:lnRef>
-      <a:fillRef idx="1">
-        <a:scrgbClr r="0" g="0" b="0"/>
-      </a:fillRef>
-      <a:effectRef idx="0">
-        <a:scrgbClr r="0" g="0" b="0"/>
-      </a:effectRef>
-      <a:fontRef idx="minor"/>
-    </dgm:style>
-  </dgm:styleLbl>
-  <dgm:styleLbl name="fgAcc3">
-    <dgm:scene3d>
-      <a:camera prst="orthographicFront"/>
-      <a:lightRig rig="threePt" dir="t"/>
-    </dgm:scene3d>
-    <dgm:sp3d/>
-    <dgm:txPr/>
-    <dgm:style>
-      <a:lnRef idx="1">
-        <a:scrgbClr r="0" g="0" b="0"/>
-      </a:lnRef>
-      <a:fillRef idx="1">
-        <a:scrgbClr r="0" g="0" b="0"/>
-      </a:fillRef>
-      <a:effectRef idx="0">
-        <a:scrgbClr r="0" g="0" b="0"/>
-      </a:effectRef>
-      <a:fontRef idx="minor"/>
-    </dgm:style>
-  </dgm:styleLbl>
-  <dgm:styleLbl name="fgAcc4">
-    <dgm:scene3d>
-      <a:camera prst="orthographicFront"/>
-      <a:lightRig rig="threePt" dir="t"/>
-    </dgm:scene3d>
-    <dgm:sp3d/>
-    <dgm:txPr/>
-    <dgm:style>
-      <a:lnRef idx="1">
-        <a:scrgbClr r="0" g="0" b="0"/>
-      </a:lnRef>
-      <a:fillRef idx="1">
-        <a:scrgbClr r="0" g="0" b="0"/>
-      </a:fillRef>
-      <a:effectRef idx="0">
-        <a:scrgbClr r="0" g="0" b="0"/>
-      </a:effectRef>
-      <a:fontRef idx="minor"/>
-    </dgm:style>
-  </dgm:styleLbl>
-  <dgm:styleLbl name="bgShp">
-    <dgm:scene3d>
-      <a:camera prst="orthographicFront"/>
-      <a:lightRig rig="threePt" dir="t"/>
-    </dgm:scene3d>
-    <dgm:sp3d/>
-    <dgm:txPr/>
-    <dgm:style>
-      <a:lnRef idx="0">
-        <a:scrgbClr r="0" g="0" b="0"/>
-      </a:lnRef>
-      <a:fillRef idx="1">
-        <a:scrgbClr r="0" g="0" b="0"/>
-      </a:fillRef>
-      <a:effectRef idx="2">
-        <a:scrgbClr r="0" g="0" b="0"/>
-      </a:effectRef>
-      <a:fontRef idx="minor"/>
-    </dgm:style>
-  </dgm:styleLbl>
-  <dgm:styleLbl name="dkBgShp">
-    <dgm:scene3d>
-      <a:camera prst="orthographicFront"/>
-      <a:lightRig rig="threePt" dir="t"/>
-    </dgm:scene3d>
-    <dgm:sp3d/>
-    <dgm:txPr/>
-    <dgm:style>
-      <a:lnRef idx="0">
-        <a:scrgbClr r="0" g="0" b="0"/>
-      </a:lnRef>
-      <a:fillRef idx="1">
-        <a:scrgbClr r="0" g="0" b="0"/>
-      </a:fillRef>
-      <a:effectRef idx="2">
-        <a:scrgbClr r="0" g="0" b="0"/>
-      </a:effectRef>
-      <a:fontRef idx="minor"/>
-    </dgm:style>
-  </dgm:styleLbl>
-  <dgm:styleLbl name="trBgShp">
-    <dgm:scene3d>
-      <a:camera prst="orthographicFront"/>
-      <a:lightRig rig="threePt" dir="t"/>
-    </dgm:scene3d>
-    <dgm:sp3d/>
-    <dgm:txPr/>
-    <dgm:style>
-      <a:lnRef idx="0">
-        <a:scrgbClr r="0" g="0" b="0"/>
-      </a:lnRef>
-      <a:fillRef idx="1">
-        <a:scrgbClr r="0" g="0" b="0"/>
-      </a:fillRef>
-      <a:effectRef idx="0">
-        <a:scrgbClr r="0" g="0" b="0"/>
-      </a:effectRef>
-      <a:fontRef idx="minor"/>
-    </dgm:style>
-  </dgm:styleLbl>
-  <dgm:styleLbl name="fgShp">
-    <dgm:scene3d>
-      <a:camera prst="orthographicFront"/>
-      <a:lightRig rig="threePt" dir="t"/>
-    </dgm:scene3d>
-    <dgm:sp3d/>
-    <dgm:txPr/>
-    <dgm:style>
-      <a:lnRef idx="0">
-        <a:scrgbClr r="0" g="0" b="0"/>
-      </a:lnRef>
-      <a:fillRef idx="3">
-        <a:scrgbClr r="0" g="0" b="0"/>
-      </a:fillRef>
-      <a:effectRef idx="2">
-        <a:scrgbClr r="0" g="0" b="0"/>
-      </a:effectRef>
-      <a:fontRef idx="minor"/>
-    </dgm:style>
-  </dgm:styleLbl>
-  <dgm:styleLbl name="revTx">
-    <dgm:scene3d>
-      <a:camera prst="orthographicFront"/>
-      <a:lightRig rig="threePt" dir="t"/>
-    </dgm:scene3d>
-    <dgm:sp3d/>
-    <dgm:txPr/>
-    <dgm:style>
-      <a:lnRef idx="0">
-        <a:scrgbClr r="0" g="0" b="0"/>
-      </a:lnRef>
-      <a:fillRef idx="0">
-        <a:scrgbClr r="0" g="0" b="0"/>
-      </a:fillRef>
-      <a:effectRef idx="0">
-        <a:scrgbClr r="0" g="0" b="0"/>
-      </a:effectRef>
-      <a:fontRef idx="minor"/>
-    </dgm:style>
-  </dgm:styleLbl>
-</dgm:styleDef>
 </file>
 
 <file path=ppt/notesMasters/notesMaster1.xml><?xml version="1.0" encoding="utf-8"?>
@@ -8333,6 +5801,14 @@
 <file path=ppt/slides/slide10.xml><?xml version="1.0" encoding="utf-8"?>
 <p:sld xmlns:a="http://schemas.openxmlformats.org/drawingml/2006/main" xmlns:r="http://schemas.openxmlformats.org/officeDocument/2006/relationships" xmlns:mc="http://schemas.openxmlformats.org/markup-compatibility/2006" xmlns:mv="urn:schemas-microsoft-com:mac:vml" xmlns:p="http://schemas.openxmlformats.org/presentationml/2006/main" mc:Ignorable="mv" mc:PreserveAttributes="mv:*">
   <p:cSld>
+    <p:bg>
+      <p:bgPr>
+        <a:solidFill>
+          <a:srgbClr val="0000FF"/>
+        </a:solidFill>
+        <a:effectLst/>
+      </p:bgPr>
+    </p:bg>
     <p:spTree>
       <p:nvGrpSpPr>
         <p:cNvPr id="1" name=""/>
@@ -8378,22 +5854,6 @@
           </a:p>
         </p:txBody>
       </p:sp>
-      <p:graphicFrame>
-        <p:nvGraphicFramePr>
-          <p:cNvPr id="8" name="Diagram 7"/>
-          <p:cNvGraphicFramePr/>
-          <p:nvPr/>
-        </p:nvGraphicFramePr>
-        <p:xfrm>
-          <a:off x="1981200" y="1676400"/>
-          <a:ext cx="5257800" cy="1524000"/>
-        </p:xfrm>
-        <a:graphic>
-          <a:graphicData uri="http://schemas.openxmlformats.org/drawingml/2006/diagram">
-            <a:relIds xmlns:dgm="http://schemas.openxmlformats.org/drawingml/2006/diagram" xmlns:r="http://schemas.openxmlformats.org/officeDocument/2006/relationships" r:dm="rId3" r:lo="rId4" r:qs="rId5" r:cs="rId6"/>
-          </a:graphicData>
-        </a:graphic>
-      </p:graphicFrame>
       <p:sp>
         <p:nvSpPr>
           <p:cNvPr id="18436" name="TextBox 11"/>
@@ -8742,7 +6202,7 @@
           <a:p>
             <a:pPr algn="ctr"/>
             <a:r>
-              <a:rPr lang="en-US"/>
+              <a:rPr lang="en-US" dirty="0"/>
               <a:t>Engineers</a:t>
             </a:r>
           </a:p>
@@ -8835,7 +6295,7 @@
           <a:p>
             <a:pPr algn="ctr"/>
             <a:r>
-              <a:rPr lang="en-US"/>
+              <a:rPr lang="en-US" dirty="0"/>
               <a:t>Service</a:t>
             </a:r>
           </a:p>
@@ -9018,9 +6478,385 @@
           <a:p>
             <a:pPr algn="ctr"/>
             <a:r>
-              <a:rPr lang="en-US"/>
+              <a:rPr lang="en-US" dirty="0"/>
               <a:t>Developers</a:t>
             </a:r>
+          </a:p>
+        </p:txBody>
+      </p:sp>
+      <p:sp>
+        <p:nvSpPr>
+          <p:cNvPr id="24" name="Process 23"/>
+          <p:cNvSpPr/>
+          <p:nvPr/>
+        </p:nvSpPr>
+        <p:spPr>
+          <a:xfrm>
+            <a:off x="1524000" y="2057400"/>
+            <a:ext cx="1752600" cy="612648"/>
+          </a:xfrm>
+          <a:prstGeom prst="flowChartProcess">
+            <a:avLst/>
+          </a:prstGeom>
+          <a:solidFill>
+            <a:srgbClr val="3366FF">
+              <a:alpha val="82000"/>
+            </a:srgbClr>
+          </a:solidFill>
+          <a:scene3d>
+            <a:camera prst="orthographicFront"/>
+            <a:lightRig rig="threePt" dir="t"/>
+          </a:scene3d>
+          <a:sp3d>
+            <a:bevelT/>
+          </a:sp3d>
+        </p:spPr>
+        <p:style>
+          <a:lnRef idx="1">
+            <a:schemeClr val="accent1"/>
+          </a:lnRef>
+          <a:fillRef idx="3">
+            <a:schemeClr val="accent1"/>
+          </a:fillRef>
+          <a:effectRef idx="2">
+            <a:schemeClr val="accent1"/>
+          </a:effectRef>
+          <a:fontRef idx="minor">
+            <a:schemeClr val="lt1"/>
+          </a:fontRef>
+        </p:style>
+        <p:txBody>
+          <a:bodyPr anchor="ctr"/>
+          <a:lstStyle/>
+          <a:p>
+            <a:pPr algn="ctr">
+              <a:defRPr/>
+            </a:pPr>
+            <a:endParaRPr lang="en-US">
+              <a:solidFill>
+                <a:srgbClr val="FF0000"/>
+              </a:solidFill>
+            </a:endParaRPr>
+          </a:p>
+        </p:txBody>
+      </p:sp>
+      <p:sp>
+        <p:nvSpPr>
+          <p:cNvPr id="25" name="Process 24"/>
+          <p:cNvSpPr/>
+          <p:nvPr/>
+        </p:nvSpPr>
+        <p:spPr>
+          <a:xfrm>
+            <a:off x="3581400" y="2057400"/>
+            <a:ext cx="1752600" cy="612648"/>
+          </a:xfrm>
+          <a:prstGeom prst="flowChartProcess">
+            <a:avLst/>
+          </a:prstGeom>
+          <a:solidFill>
+            <a:srgbClr val="3366FF">
+              <a:alpha val="82000"/>
+            </a:srgbClr>
+          </a:solidFill>
+          <a:scene3d>
+            <a:camera prst="orthographicFront"/>
+            <a:lightRig rig="threePt" dir="t"/>
+          </a:scene3d>
+          <a:sp3d>
+            <a:bevelT/>
+          </a:sp3d>
+        </p:spPr>
+        <p:style>
+          <a:lnRef idx="1">
+            <a:schemeClr val="accent1"/>
+          </a:lnRef>
+          <a:fillRef idx="3">
+            <a:schemeClr val="accent1"/>
+          </a:fillRef>
+          <a:effectRef idx="2">
+            <a:schemeClr val="accent1"/>
+          </a:effectRef>
+          <a:fontRef idx="minor">
+            <a:schemeClr val="lt1"/>
+          </a:fontRef>
+        </p:style>
+        <p:txBody>
+          <a:bodyPr anchor="ctr"/>
+          <a:lstStyle/>
+          <a:p>
+            <a:pPr algn="ctr">
+              <a:defRPr/>
+            </a:pPr>
+            <a:endParaRPr lang="en-US">
+              <a:solidFill>
+                <a:srgbClr val="FF0000"/>
+              </a:solidFill>
+            </a:endParaRPr>
+          </a:p>
+        </p:txBody>
+      </p:sp>
+      <p:sp>
+        <p:nvSpPr>
+          <p:cNvPr id="26" name="Process 25"/>
+          <p:cNvSpPr/>
+          <p:nvPr/>
+        </p:nvSpPr>
+        <p:spPr>
+          <a:xfrm>
+            <a:off x="5791200" y="2057400"/>
+            <a:ext cx="1752600" cy="612648"/>
+          </a:xfrm>
+          <a:prstGeom prst="flowChartProcess">
+            <a:avLst/>
+          </a:prstGeom>
+          <a:solidFill>
+            <a:srgbClr val="3366FF">
+              <a:alpha val="82000"/>
+            </a:srgbClr>
+          </a:solidFill>
+          <a:scene3d>
+            <a:camera prst="orthographicFront"/>
+            <a:lightRig rig="threePt" dir="t"/>
+          </a:scene3d>
+          <a:sp3d>
+            <a:bevelT/>
+          </a:sp3d>
+        </p:spPr>
+        <p:style>
+          <a:lnRef idx="1">
+            <a:schemeClr val="accent1"/>
+          </a:lnRef>
+          <a:fillRef idx="3">
+            <a:schemeClr val="accent1"/>
+          </a:fillRef>
+          <a:effectRef idx="2">
+            <a:schemeClr val="accent1"/>
+          </a:effectRef>
+          <a:fontRef idx="minor">
+            <a:schemeClr val="lt1"/>
+          </a:fontRef>
+        </p:style>
+        <p:txBody>
+          <a:bodyPr anchor="ctr"/>
+          <a:lstStyle/>
+          <a:p>
+            <a:pPr algn="ctr">
+              <a:defRPr/>
+            </a:pPr>
+            <a:endParaRPr lang="en-US">
+              <a:solidFill>
+                <a:srgbClr val="FF0000"/>
+              </a:solidFill>
+            </a:endParaRPr>
+          </a:p>
+        </p:txBody>
+      </p:sp>
+      <p:sp>
+        <p:nvSpPr>
+          <p:cNvPr id="27" name="Left-Right Arrow 26"/>
+          <p:cNvSpPr/>
+          <p:nvPr/>
+        </p:nvSpPr>
+        <p:spPr>
+          <a:xfrm>
+            <a:off x="4953000" y="2133600"/>
+            <a:ext cx="1216152" cy="484632"/>
+          </a:xfrm>
+          <a:prstGeom prst="leftRightArrow">
+            <a:avLst/>
+          </a:prstGeom>
+        </p:spPr>
+        <p:style>
+          <a:lnRef idx="1">
+            <a:schemeClr val="accent1"/>
+          </a:lnRef>
+          <a:fillRef idx="3">
+            <a:schemeClr val="accent1"/>
+          </a:fillRef>
+          <a:effectRef idx="2">
+            <a:schemeClr val="accent1"/>
+          </a:effectRef>
+          <a:fontRef idx="minor">
+            <a:schemeClr val="lt1"/>
+          </a:fontRef>
+        </p:style>
+        <p:txBody>
+          <a:bodyPr rtlCol="0" anchor="ctr"/>
+          <a:lstStyle/>
+          <a:p>
+            <a:pPr algn="ctr"/>
+            <a:endParaRPr lang="en-US" dirty="0">
+              <a:solidFill>
+                <a:srgbClr val="0000FF"/>
+              </a:solidFill>
+            </a:endParaRPr>
+          </a:p>
+        </p:txBody>
+      </p:sp>
+      <p:sp>
+        <p:nvSpPr>
+          <p:cNvPr id="28" name="Left-Right Arrow 27"/>
+          <p:cNvSpPr/>
+          <p:nvPr/>
+        </p:nvSpPr>
+        <p:spPr>
+          <a:xfrm>
+            <a:off x="2819400" y="2133600"/>
+            <a:ext cx="1216152" cy="484632"/>
+          </a:xfrm>
+          <a:prstGeom prst="leftRightArrow">
+            <a:avLst/>
+          </a:prstGeom>
+        </p:spPr>
+        <p:style>
+          <a:lnRef idx="1">
+            <a:schemeClr val="accent1"/>
+          </a:lnRef>
+          <a:fillRef idx="3">
+            <a:schemeClr val="accent1"/>
+          </a:fillRef>
+          <a:effectRef idx="2">
+            <a:schemeClr val="accent1"/>
+          </a:effectRef>
+          <a:fontRef idx="minor">
+            <a:schemeClr val="lt1"/>
+          </a:fontRef>
+        </p:style>
+        <p:txBody>
+          <a:bodyPr rtlCol="0" anchor="ctr"/>
+          <a:lstStyle/>
+          <a:p>
+            <a:pPr algn="ctr"/>
+            <a:endParaRPr lang="en-US" dirty="0">
+              <a:solidFill>
+                <a:srgbClr val="0000FF"/>
+              </a:solidFill>
+            </a:endParaRPr>
+          </a:p>
+        </p:txBody>
+      </p:sp>
+      <p:sp>
+        <p:nvSpPr>
+          <p:cNvPr id="29" name="TextBox 19"/>
+          <p:cNvSpPr txBox="1">
+            <a:spLocks noChangeArrowheads="1"/>
+          </p:cNvSpPr>
+          <p:nvPr/>
+        </p:nvSpPr>
+        <p:spPr bwMode="auto">
+          <a:xfrm>
+            <a:off x="1447800" y="2133600"/>
+            <a:ext cx="1752600" cy="369888"/>
+          </a:xfrm>
+          <a:prstGeom prst="rect">
+            <a:avLst/>
+          </a:prstGeom>
+          <a:noFill/>
+          <a:ln w="9525">
+            <a:noFill/>
+            <a:miter lim="800000"/>
+            <a:headEnd/>
+            <a:tailEnd/>
+          </a:ln>
+        </p:spPr>
+        <p:txBody>
+          <a:bodyPr>
+            <a:prstTxWarp prst="textNoShape">
+              <a:avLst/>
+            </a:prstTxWarp>
+            <a:spAutoFit/>
+          </a:bodyPr>
+          <a:lstStyle/>
+          <a:p>
+            <a:pPr algn="ctr"/>
+            <a:r>
+              <a:rPr lang="en-US" dirty="0"/>
+              <a:t>Developers</a:t>
+            </a:r>
+          </a:p>
+        </p:txBody>
+      </p:sp>
+      <p:sp>
+        <p:nvSpPr>
+          <p:cNvPr id="30" name="TextBox 12"/>
+          <p:cNvSpPr txBox="1">
+            <a:spLocks noChangeArrowheads="1"/>
+          </p:cNvSpPr>
+          <p:nvPr/>
+        </p:nvSpPr>
+        <p:spPr bwMode="auto">
+          <a:xfrm>
+            <a:off x="5791200" y="2209800"/>
+            <a:ext cx="1752600" cy="369888"/>
+          </a:xfrm>
+          <a:prstGeom prst="rect">
+            <a:avLst/>
+          </a:prstGeom>
+          <a:noFill/>
+          <a:ln w="9525">
+            <a:noFill/>
+            <a:miter lim="800000"/>
+            <a:headEnd/>
+            <a:tailEnd/>
+          </a:ln>
+        </p:spPr>
+        <p:txBody>
+          <a:bodyPr>
+            <a:prstTxWarp prst="textNoShape">
+              <a:avLst/>
+            </a:prstTxWarp>
+            <a:spAutoFit/>
+          </a:bodyPr>
+          <a:lstStyle/>
+          <a:p>
+            <a:pPr algn="ctr"/>
+            <a:r>
+              <a:rPr lang="en-US" dirty="0"/>
+              <a:t>Engineers</a:t>
+            </a:r>
+          </a:p>
+        </p:txBody>
+      </p:sp>
+      <p:sp>
+        <p:nvSpPr>
+          <p:cNvPr id="31" name="TextBox 15"/>
+          <p:cNvSpPr txBox="1">
+            <a:spLocks noChangeArrowheads="1"/>
+          </p:cNvSpPr>
+          <p:nvPr/>
+        </p:nvSpPr>
+        <p:spPr bwMode="auto">
+          <a:xfrm>
+            <a:off x="3505200" y="2133600"/>
+            <a:ext cx="1752600" cy="369888"/>
+          </a:xfrm>
+          <a:prstGeom prst="rect">
+            <a:avLst/>
+          </a:prstGeom>
+          <a:noFill/>
+          <a:ln w="9525">
+            <a:noFill/>
+            <a:miter lim="800000"/>
+            <a:headEnd/>
+            <a:tailEnd/>
+          </a:ln>
+        </p:spPr>
+        <p:txBody>
+          <a:bodyPr>
+            <a:prstTxWarp prst="textNoShape">
+              <a:avLst/>
+            </a:prstTxWarp>
+            <a:spAutoFit/>
+          </a:bodyPr>
+          <a:lstStyle/>
+          <a:p>
+            <a:pPr algn="ctr"/>
+            <a:r>
+              <a:rPr lang="en-US" dirty="0" smtClean="0"/>
+              <a:t>Queue</a:t>
+            </a:r>
+            <a:endParaRPr lang="en-US" dirty="0"/>
           </a:p>
         </p:txBody>
       </p:sp>
@@ -15155,7 +12991,7 @@
                 <a:ea typeface="ＭＳ Ｐゴシック" pitchFamily="-109" charset="-128"/>
                 <a:cs typeface="ＭＳ Ｐゴシック" pitchFamily="-109" charset="-128"/>
               </a:rPr>
-              <a:t>software becomes a non event</a:t>
+              <a:t>software becomes a “non event”</a:t>
             </a:r>
           </a:p>
           <a:p>
@@ -15199,7 +13035,14 @@
                 <a:ea typeface="ＭＳ Ｐゴシック" pitchFamily="-109" charset="-128"/>
                 <a:cs typeface="ＭＳ Ｐゴシック" pitchFamily="-109" charset="-128"/>
               </a:rPr>
-              <a:t>)</a:t>
+              <a:t>) (self</a:t>
+            </a:r>
+            <a:r>
+              <a:rPr lang="en-US" sz="2000" smtClean="0">
+                <a:ea typeface="ＭＳ Ｐゴシック" pitchFamily="-109" charset="-128"/>
+                <a:cs typeface="ＭＳ Ｐゴシック" pitchFamily="-109" charset="-128"/>
+              </a:rPr>
+              <a:t>-service)</a:t>
             </a:r>
           </a:p>
           <a:p>
@@ -17370,24 +15213,7 @@
                   </a:outerShdw>
                 </a:effectLst>
               </a:rPr>
-              <a:t>Working</a:t>
-            </a:r>
-            <a:r>
-              <a:rPr lang="en-US" sz="2400" b="1" dirty="0" smtClean="0">
-                <a:ln>
-                  <a:prstDash val="solid"/>
-                </a:ln>
-                <a:effectLst>
-                  <a:outerShdw blurRad="88000" dist="50800" dir="5040000" algn="tl">
-                    <a:schemeClr val="accent4">
-                      <a:tint val="80000"/>
-                      <a:satMod val="250000"/>
-                      <a:alpha val="45000"/>
-                    </a:schemeClr>
-                  </a:outerShdw>
-                </a:effectLst>
-              </a:rPr>
-              <a:t> Application</a:t>
+              <a:t>Working Application</a:t>
             </a:r>
             <a:endParaRPr lang="en-US" sz="2400" b="1" dirty="0">
               <a:ln>
@@ -18816,24 +16642,7 @@
                     </a:outerShdw>
                   </a:effectLst>
                 </a:rPr>
-                <a:t>Working</a:t>
-              </a:r>
-              <a:r>
-                <a:rPr lang="en-US" sz="2000" b="1" dirty="0" smtClean="0">
-                  <a:ln>
-                    <a:prstDash val="solid"/>
-                  </a:ln>
-                  <a:effectLst>
-                    <a:outerShdw blurRad="88000" dist="50800" dir="5040000" algn="tl">
-                      <a:schemeClr val="accent4">
-                        <a:tint val="80000"/>
-                        <a:satMod val="250000"/>
-                        <a:alpha val="45000"/>
-                      </a:schemeClr>
-                    </a:outerShdw>
-                  </a:effectLst>
-                </a:rPr>
-                <a:t> Application (from SVN source files)</a:t>
+                <a:t>Working Application (from SVN source files)</a:t>
               </a:r>
               <a:endParaRPr lang="en-US" sz="2000" b="1" dirty="0">
                 <a:ln>
@@ -19279,6 +17088,50 @@
               </a:rPr>
               <a:t> database server for application. This includes creating database users and granting access to the newly created (empty) application database.</a:t>
             </a:r>
+          </a:p>
+          <a:p>
+            <a:pPr eaLnBrk="1" hangingPunct="1">
+              <a:buFont typeface="+mj-lt"/>
+              <a:buAutoNum type="arabicPeriod"/>
+            </a:pPr>
+            <a:r>
+              <a:rPr lang="en-US" sz="1600" dirty="0" smtClean="0">
+                <a:ea typeface="ＭＳ Ｐゴシック" pitchFamily="-109" charset="-128"/>
+                <a:cs typeface="ＭＳ Ｐゴシック" pitchFamily="-109" charset="-128"/>
+              </a:rPr>
+              <a:t>Creates a data storage volume on the virtual instance, attaches it and configures </a:t>
+            </a:r>
+            <a:r>
+              <a:rPr lang="en-US" sz="1600" dirty="0" err="1" smtClean="0">
+                <a:ea typeface="ＭＳ Ｐゴシック" pitchFamily="-109" charset="-128"/>
+                <a:cs typeface="ＭＳ Ｐゴシック" pitchFamily="-109" charset="-128"/>
+              </a:rPr>
+              <a:t>MySQL</a:t>
+            </a:r>
+            <a:r>
+              <a:rPr lang="en-US" sz="1600" dirty="0" smtClean="0">
+                <a:ea typeface="ＭＳ Ｐゴシック" pitchFamily="-109" charset="-128"/>
+                <a:cs typeface="ＭＳ Ｐゴシック" pitchFamily="-109" charset="-128"/>
+              </a:rPr>
+              <a:t> to store the data files on the drive</a:t>
+            </a:r>
+            <a:endParaRPr lang="en-US" sz="1600" b="0" i="1" dirty="0" smtClean="0">
+              <a:ea typeface="ＭＳ Ｐゴシック" pitchFamily="-109" charset="-128"/>
+              <a:cs typeface="ＭＳ Ｐゴシック" pitchFamily="-109" charset="-128"/>
+            </a:endParaRPr>
+          </a:p>
+          <a:p>
+            <a:pPr eaLnBrk="1" hangingPunct="1">
+              <a:buFont typeface="+mj-lt"/>
+              <a:buAutoNum type="arabicPeriod"/>
+            </a:pPr>
+            <a:r>
+              <a:rPr lang="en-US" sz="1600" b="0" i="1" dirty="0" smtClean="0">
+                <a:ea typeface="ＭＳ Ｐゴシック" pitchFamily="-109" charset="-128"/>
+                <a:cs typeface="ＭＳ Ｐゴシック" pitchFamily="-109" charset="-128"/>
+              </a:rPr>
+              <a:t>Performs a checkout of application source code from CBIIT SVN tag</a:t>
+            </a:r>
             <a:endParaRPr lang="en-US" sz="1600" dirty="0" smtClean="0">
               <a:ea typeface="ＭＳ Ｐゴシック" pitchFamily="-109" charset="-128"/>
               <a:cs typeface="ＭＳ Ｐゴシック" pitchFamily="-109" charset="-128"/>
@@ -19290,37 +17143,12 @@
               <a:buAutoNum type="arabicPeriod"/>
             </a:pPr>
             <a:r>
-              <a:rPr lang="en-US" sz="1600" dirty="0" smtClean="0">
+              <a:rPr lang="en-US" sz="1600" b="0" i="1" dirty="0" smtClean="0">
                 <a:ea typeface="ＭＳ Ｐゴシック" pitchFamily="-109" charset="-128"/>
                 <a:cs typeface="ＭＳ Ｐゴシック" pitchFamily="-109" charset="-128"/>
               </a:rPr>
-              <a:t>Creates a data storage volume on the virtual instance, attaches it and configures </a:t>
-            </a:r>
-            <a:r>
-              <a:rPr lang="en-US" sz="1600" dirty="0" err="1" smtClean="0">
-                <a:ea typeface="ＭＳ Ｐゴシック" pitchFamily="-109" charset="-128"/>
-                <a:cs typeface="ＭＳ Ｐゴシック" pitchFamily="-109" charset="-128"/>
-              </a:rPr>
-              <a:t>MySQL</a:t>
-            </a:r>
-            <a:r>
-              <a:rPr lang="en-US" sz="1600" dirty="0" smtClean="0">
-                <a:ea typeface="ＭＳ Ｐゴシック" pitchFamily="-109" charset="-128"/>
-                <a:cs typeface="ＭＳ Ｐゴシック" pitchFamily="-109" charset="-128"/>
-              </a:rPr>
-              <a:t> to store the data files on the </a:t>
-            </a:r>
-            <a:r>
-              <a:rPr lang="en-US" sz="1600" dirty="0" smtClean="0">
-                <a:ea typeface="ＭＳ Ｐゴシック" pitchFamily="-109" charset="-128"/>
-                <a:cs typeface="ＭＳ Ｐゴシック" pitchFamily="-109" charset="-128"/>
-              </a:rPr>
-              <a:t>drive</a:t>
-            </a:r>
-            <a:endParaRPr lang="en-US" sz="1600" b="0" i="1" dirty="0" smtClean="0">
-              <a:ea typeface="ＭＳ Ｐゴシック" pitchFamily="-109" charset="-128"/>
-              <a:cs typeface="ＭＳ Ｐゴシック" pitchFamily="-109" charset="-128"/>
-            </a:endParaRPr>
+              <a:t>Assembles application database and inserts lookup data</a:t>
+            </a:r>
           </a:p>
           <a:p>
             <a:pPr eaLnBrk="1" hangingPunct="1">
@@ -19332,55 +17160,7 @@
                 <a:ea typeface="ＭＳ Ｐゴシック" pitchFamily="-109" charset="-128"/>
                 <a:cs typeface="ＭＳ Ｐゴシック" pitchFamily="-109" charset="-128"/>
               </a:rPr>
-              <a:t>Performs </a:t>
-            </a:r>
-            <a:r>
-              <a:rPr lang="en-US" sz="1600" b="0" i="1" dirty="0" smtClean="0">
-                <a:ea typeface="ＭＳ Ｐゴシック" pitchFamily="-109" charset="-128"/>
-                <a:cs typeface="ＭＳ Ｐゴシック" pitchFamily="-109" charset="-128"/>
-              </a:rPr>
-              <a:t>a checkout of application source code from CBIIT SVN tag</a:t>
-            </a:r>
-            <a:endParaRPr lang="en-US" sz="1600" dirty="0" smtClean="0">
-              <a:ea typeface="ＭＳ Ｐゴシック" pitchFamily="-109" charset="-128"/>
-              <a:cs typeface="ＭＳ Ｐゴシック" pitchFamily="-109" charset="-128"/>
-            </a:endParaRPr>
-          </a:p>
-          <a:p>
-            <a:pPr eaLnBrk="1" hangingPunct="1">
-              <a:buFont typeface="+mj-lt"/>
-              <a:buAutoNum type="arabicPeriod"/>
-            </a:pPr>
-            <a:r>
-              <a:rPr lang="en-US" sz="1600" b="0" i="1" dirty="0" smtClean="0">
-                <a:ea typeface="ＭＳ Ｐゴシック" pitchFamily="-109" charset="-128"/>
-                <a:cs typeface="ＭＳ Ｐゴシック" pitchFamily="-109" charset="-128"/>
-              </a:rPr>
-              <a:t>Assembles application database and inserts lookup data</a:t>
-            </a:r>
-            <a:endParaRPr lang="en-US" sz="1600" b="0" i="1" dirty="0" smtClean="0">
-              <a:ea typeface="ＭＳ Ｐゴシック" pitchFamily="-109" charset="-128"/>
-              <a:cs typeface="ＭＳ Ｐゴシック" pitchFamily="-109" charset="-128"/>
-            </a:endParaRPr>
-          </a:p>
-          <a:p>
-            <a:pPr eaLnBrk="1" hangingPunct="1">
-              <a:buFont typeface="+mj-lt"/>
-              <a:buAutoNum type="arabicPeriod"/>
-            </a:pPr>
-            <a:r>
-              <a:rPr lang="en-US" sz="1600" b="0" i="1" dirty="0" smtClean="0">
-                <a:ea typeface="ＭＳ Ｐゴシック" pitchFamily="-109" charset="-128"/>
-                <a:cs typeface="ＭＳ Ｐゴシック" pitchFamily="-109" charset="-128"/>
-              </a:rPr>
-              <a:t>Installs </a:t>
-            </a:r>
-            <a:r>
-              <a:rPr lang="en-US" sz="1600" b="0" i="1" dirty="0" smtClean="0">
-                <a:ea typeface="ＭＳ Ｐゴシック" pitchFamily="-109" charset="-128"/>
-                <a:cs typeface="ＭＳ Ｐゴシック" pitchFamily="-109" charset="-128"/>
-              </a:rPr>
-              <a:t>and configures the </a:t>
+              <a:t>Installs and configures the </a:t>
             </a:r>
             <a:r>
               <a:rPr lang="en-US" sz="1600" b="0" i="1" dirty="0" err="1" smtClean="0">
